--- a/solutions/monitoring_problem/monitoring_sources_pictures.pptx
+++ b/solutions/monitoring_problem/monitoring_sources_pictures.pptx
@@ -6,8 +6,9 @@
   </p:sldMasterIdLst>
   <p:sldIdLst>
     <p:sldId id="257" r:id="rId2"/>
-    <p:sldId id="259" r:id="rId3"/>
+    <p:sldId id="262" r:id="rId3"/>
     <p:sldId id="260" r:id="rId4"/>
+    <p:sldId id="261" r:id="rId5"/>
   </p:sldIdLst>
   <p:sldSz cx="12192000" cy="6858000"/>
   <p:notesSz cx="6858000" cy="9144000"/>
@@ -263,7 +264,7 @@
           <a:p>
             <a:fld id="{D1EF0641-0D68-4E02-894A-5016811C665D}" type="datetimeFigureOut">
               <a:rPr lang="de-DE" smtClean="0"/>
-              <a:t>27.08.2021</a:t>
+              <a:t>06.11.2021</a:t>
             </a:fld>
             <a:endParaRPr lang="de-DE"/>
           </a:p>
@@ -463,7 +464,7 @@
           <a:p>
             <a:fld id="{D1EF0641-0D68-4E02-894A-5016811C665D}" type="datetimeFigureOut">
               <a:rPr lang="de-DE" smtClean="0"/>
-              <a:t>27.08.2021</a:t>
+              <a:t>06.11.2021</a:t>
             </a:fld>
             <a:endParaRPr lang="de-DE"/>
           </a:p>
@@ -673,7 +674,7 @@
           <a:p>
             <a:fld id="{D1EF0641-0D68-4E02-894A-5016811C665D}" type="datetimeFigureOut">
               <a:rPr lang="de-DE" smtClean="0"/>
-              <a:t>27.08.2021</a:t>
+              <a:t>06.11.2021</a:t>
             </a:fld>
             <a:endParaRPr lang="de-DE"/>
           </a:p>
@@ -873,7 +874,7 @@
           <a:p>
             <a:fld id="{D1EF0641-0D68-4E02-894A-5016811C665D}" type="datetimeFigureOut">
               <a:rPr lang="de-DE" smtClean="0"/>
-              <a:t>27.08.2021</a:t>
+              <a:t>06.11.2021</a:t>
             </a:fld>
             <a:endParaRPr lang="de-DE"/>
           </a:p>
@@ -1149,7 +1150,7 @@
           <a:p>
             <a:fld id="{D1EF0641-0D68-4E02-894A-5016811C665D}" type="datetimeFigureOut">
               <a:rPr lang="de-DE" smtClean="0"/>
-              <a:t>27.08.2021</a:t>
+              <a:t>06.11.2021</a:t>
             </a:fld>
             <a:endParaRPr lang="de-DE"/>
           </a:p>
@@ -1417,7 +1418,7 @@
           <a:p>
             <a:fld id="{D1EF0641-0D68-4E02-894A-5016811C665D}" type="datetimeFigureOut">
               <a:rPr lang="de-DE" smtClean="0"/>
-              <a:t>27.08.2021</a:t>
+              <a:t>06.11.2021</a:t>
             </a:fld>
             <a:endParaRPr lang="de-DE"/>
           </a:p>
@@ -1832,7 +1833,7 @@
           <a:p>
             <a:fld id="{D1EF0641-0D68-4E02-894A-5016811C665D}" type="datetimeFigureOut">
               <a:rPr lang="de-DE" smtClean="0"/>
-              <a:t>27.08.2021</a:t>
+              <a:t>06.11.2021</a:t>
             </a:fld>
             <a:endParaRPr lang="de-DE"/>
           </a:p>
@@ -1974,7 +1975,7 @@
           <a:p>
             <a:fld id="{D1EF0641-0D68-4E02-894A-5016811C665D}" type="datetimeFigureOut">
               <a:rPr lang="de-DE" smtClean="0"/>
-              <a:t>27.08.2021</a:t>
+              <a:t>06.11.2021</a:t>
             </a:fld>
             <a:endParaRPr lang="de-DE"/>
           </a:p>
@@ -2087,7 +2088,7 @@
           <a:p>
             <a:fld id="{D1EF0641-0D68-4E02-894A-5016811C665D}" type="datetimeFigureOut">
               <a:rPr lang="de-DE" smtClean="0"/>
-              <a:t>27.08.2021</a:t>
+              <a:t>06.11.2021</a:t>
             </a:fld>
             <a:endParaRPr lang="de-DE"/>
           </a:p>
@@ -2400,7 +2401,7 @@
           <a:p>
             <a:fld id="{D1EF0641-0D68-4E02-894A-5016811C665D}" type="datetimeFigureOut">
               <a:rPr lang="de-DE" smtClean="0"/>
-              <a:t>27.08.2021</a:t>
+              <a:t>06.11.2021</a:t>
             </a:fld>
             <a:endParaRPr lang="de-DE"/>
           </a:p>
@@ -2689,7 +2690,7 @@
           <a:p>
             <a:fld id="{D1EF0641-0D68-4E02-894A-5016811C665D}" type="datetimeFigureOut">
               <a:rPr lang="de-DE" smtClean="0"/>
-              <a:t>27.08.2021</a:t>
+              <a:t>06.11.2021</a:t>
             </a:fld>
             <a:endParaRPr lang="de-DE"/>
           </a:p>
@@ -2932,7 +2933,7 @@
           <a:p>
             <a:fld id="{D1EF0641-0D68-4E02-894A-5016811C665D}" type="datetimeFigureOut">
               <a:rPr lang="de-DE" smtClean="0"/>
-              <a:t>27.08.2021</a:t>
+              <a:t>06.11.2021</a:t>
             </a:fld>
             <a:endParaRPr lang="de-DE"/>
           </a:p>
@@ -3363,7 +3364,7 @@
         </p:nvSpPr>
         <p:spPr>
           <a:xfrm>
-            <a:off x="4295799" y="2276873"/>
+            <a:off x="4295799" y="2636912"/>
             <a:ext cx="3252161" cy="2088233"/>
           </a:xfrm>
           <a:prstGeom prst="rect">
@@ -3425,13 +3426,13 @@
         </p:nvSpPr>
         <p:spPr>
           <a:xfrm>
-            <a:off x="3143672" y="1226000"/>
-            <a:ext cx="3240360" cy="895646"/>
+            <a:off x="839416" y="877169"/>
+            <a:ext cx="2664296" cy="967654"/>
           </a:xfrm>
           <a:prstGeom prst="wedgeRoundRectCallout">
             <a:avLst>
-              <a:gd name="adj1" fmla="val -63123"/>
-              <a:gd name="adj2" fmla="val 25054"/>
+              <a:gd name="adj1" fmla="val 13425"/>
+              <a:gd name="adj2" fmla="val 89596"/>
               <a:gd name="adj3" fmla="val 16667"/>
             </a:avLst>
           </a:prstGeom>
@@ -3546,7 +3547,7 @@
         </p:nvSpPr>
         <p:spPr>
           <a:xfrm>
-            <a:off x="1199455" y="1628800"/>
+            <a:off x="1199455" y="1988839"/>
             <a:ext cx="6524375" cy="2880321"/>
           </a:xfrm>
           <a:prstGeom prst="rect">
@@ -3607,7 +3608,7 @@
         </p:nvSpPr>
         <p:spPr>
           <a:xfrm>
-            <a:off x="4666916" y="2780929"/>
+            <a:off x="4666916" y="3140968"/>
             <a:ext cx="1368152" cy="648072"/>
           </a:xfrm>
           <a:prstGeom prst="rect">
@@ -3688,7 +3689,7 @@
         </p:nvSpPr>
         <p:spPr>
           <a:xfrm>
-            <a:off x="4666916" y="3440211"/>
+            <a:off x="4666916" y="3800250"/>
             <a:ext cx="1368152" cy="780879"/>
           </a:xfrm>
           <a:prstGeom prst="rect">
@@ -3769,7 +3770,7 @@
         </p:nvSpPr>
         <p:spPr>
           <a:xfrm>
-            <a:off x="1415480" y="2276872"/>
+            <a:off x="1415480" y="2636911"/>
             <a:ext cx="1759721" cy="2088233"/>
           </a:xfrm>
           <a:prstGeom prst="rect">
@@ -3839,7 +3840,7 @@
         </p:nvSpPr>
         <p:spPr>
           <a:xfrm>
-            <a:off x="1551113" y="3049989"/>
+            <a:off x="1551113" y="3410028"/>
             <a:ext cx="1368152" cy="606245"/>
           </a:xfrm>
           <a:prstGeom prst="rect">
@@ -3901,7 +3902,7 @@
         </p:nvSpPr>
         <p:spPr>
           <a:xfrm>
-            <a:off x="1551113" y="3642433"/>
+            <a:off x="1551113" y="4002472"/>
             <a:ext cx="1368152" cy="578656"/>
           </a:xfrm>
           <a:prstGeom prst="rect">
@@ -3963,7 +3964,7 @@
         </p:nvGrpSpPr>
         <p:grpSpPr>
           <a:xfrm>
-            <a:off x="3071664" y="2996953"/>
+            <a:off x="3071664" y="2996952"/>
             <a:ext cx="1656184" cy="1296144"/>
             <a:chOff x="4007768" y="5373216"/>
             <a:chExt cx="1656184" cy="1296144"/>
@@ -4151,7 +4152,7 @@
         </p:nvSpPr>
         <p:spPr>
           <a:xfrm rot="16200000">
-            <a:off x="5595825" y="3197887"/>
+            <a:off x="5595825" y="3557926"/>
             <a:ext cx="1451370" cy="595036"/>
           </a:xfrm>
           <a:prstGeom prst="rect">
@@ -4221,7 +4222,7 @@
         </p:nvSpPr>
         <p:spPr>
           <a:xfrm>
-            <a:off x="479376" y="4509120"/>
+            <a:off x="479376" y="4869159"/>
             <a:ext cx="2808312" cy="1296145"/>
           </a:xfrm>
           <a:prstGeom prst="wedgeRoundRectCallout">
@@ -4375,13 +4376,13 @@
         </p:nvSpPr>
         <p:spPr>
           <a:xfrm>
-            <a:off x="3719736" y="4509120"/>
+            <a:off x="3719736" y="188640"/>
             <a:ext cx="4067477" cy="1584175"/>
           </a:xfrm>
           <a:prstGeom prst="wedgeRoundRectCallout">
             <a:avLst>
-              <a:gd name="adj1" fmla="val -29797"/>
-              <a:gd name="adj2" fmla="val -63038"/>
+              <a:gd name="adj1" fmla="val -43492"/>
+              <a:gd name="adj2" fmla="val 111451"/>
               <a:gd name="adj3" fmla="val 16667"/>
             </a:avLst>
           </a:prstGeom>
@@ -4504,13 +4505,13 @@
         </p:nvSpPr>
         <p:spPr>
           <a:xfrm>
-            <a:off x="7611342" y="2024994"/>
+            <a:off x="7968208" y="2889090"/>
             <a:ext cx="3309194" cy="1404005"/>
           </a:xfrm>
           <a:prstGeom prst="wedgeRoundRectCallout">
             <a:avLst>
-              <a:gd name="adj1" fmla="val -60277"/>
-              <a:gd name="adj2" fmla="val 54830"/>
+              <a:gd name="adj1" fmla="val -58371"/>
+              <a:gd name="adj2" fmla="val 16652"/>
               <a:gd name="adj3" fmla="val 16667"/>
             </a:avLst>
           </a:prstGeom>
@@ -4618,7 +4619,7 @@
         </p:blipFill>
         <p:spPr>
           <a:xfrm>
-            <a:off x="6658782" y="3138216"/>
+            <a:off x="6658782" y="3498255"/>
             <a:ext cx="866775" cy="714375"/>
           </a:xfrm>
           <a:prstGeom prst="rect">
@@ -4626,6 +4627,239 @@
           </a:prstGeom>
         </p:spPr>
       </p:pic>
+      <p:sp>
+        <p:nvSpPr>
+          <p:cNvPr id="19" name="Rectangle 18">
+            <a:extLst>
+              <a:ext uri="{FF2B5EF4-FFF2-40B4-BE49-F238E27FC236}">
+                <a16:creationId xmlns:a16="http://schemas.microsoft.com/office/drawing/2014/main" id="{06E01875-E074-432F-8012-E4A335A3EB57}"/>
+              </a:ext>
+            </a:extLst>
+          </p:cNvPr>
+          <p:cNvSpPr/>
+          <p:nvPr/>
+        </p:nvSpPr>
+        <p:spPr>
+          <a:xfrm>
+            <a:off x="4317701" y="5373216"/>
+            <a:ext cx="3207856" cy="507252"/>
+          </a:xfrm>
+          <a:prstGeom prst="rect">
+            <a:avLst/>
+          </a:prstGeom>
+          <a:solidFill>
+            <a:schemeClr val="bg1"/>
+          </a:solidFill>
+          <a:ln>
+            <a:solidFill>
+              <a:srgbClr val="C00000"/>
+            </a:solidFill>
+            <a:prstDash val="dash"/>
+          </a:ln>
+        </p:spPr>
+        <p:style>
+          <a:lnRef idx="2">
+            <a:schemeClr val="accent1">
+              <a:shade val="50000"/>
+            </a:schemeClr>
+          </a:lnRef>
+          <a:fillRef idx="1">
+            <a:schemeClr val="accent1"/>
+          </a:fillRef>
+          <a:effectRef idx="0">
+            <a:schemeClr val="accent1"/>
+          </a:effectRef>
+          <a:fontRef idx="minor">
+            <a:schemeClr val="lt1"/>
+          </a:fontRef>
+        </p:style>
+        <p:txBody>
+          <a:bodyPr rtlCol="0" anchor="t" anchorCtr="0"/>
+          <a:lstStyle/>
+          <a:p>
+            <a:pPr algn="ctr"/>
+            <a:r>
+              <a:rPr lang="de-DE" dirty="0">
+                <a:solidFill>
+                  <a:srgbClr val="C00000"/>
+                </a:solidFill>
+              </a:rPr>
+              <a:t>External</a:t>
+            </a:r>
+          </a:p>
+        </p:txBody>
+      </p:sp>
+      <p:sp>
+        <p:nvSpPr>
+          <p:cNvPr id="2" name="Arrow: Up-Down 1">
+            <a:extLst>
+              <a:ext uri="{FF2B5EF4-FFF2-40B4-BE49-F238E27FC236}">
+                <a16:creationId xmlns:a16="http://schemas.microsoft.com/office/drawing/2014/main" id="{02E63359-1EFD-45BF-B43C-BC055C7D78AA}"/>
+              </a:ext>
+            </a:extLst>
+          </p:cNvPr>
+          <p:cNvSpPr/>
+          <p:nvPr/>
+        </p:nvSpPr>
+        <p:spPr>
+          <a:xfrm>
+            <a:off x="5836322" y="4725144"/>
+            <a:ext cx="259678" cy="648072"/>
+          </a:xfrm>
+          <a:prstGeom prst="upDownArrow">
+            <a:avLst/>
+          </a:prstGeom>
+          <a:solidFill>
+            <a:srgbClr val="C00000"/>
+          </a:solidFill>
+          <a:ln>
+            <a:noFill/>
+          </a:ln>
+        </p:spPr>
+        <p:style>
+          <a:lnRef idx="2">
+            <a:schemeClr val="accent1">
+              <a:shade val="50000"/>
+            </a:schemeClr>
+          </a:lnRef>
+          <a:fillRef idx="1">
+            <a:schemeClr val="accent1"/>
+          </a:fillRef>
+          <a:effectRef idx="0">
+            <a:schemeClr val="accent1"/>
+          </a:effectRef>
+          <a:fontRef idx="minor">
+            <a:schemeClr val="lt1"/>
+          </a:fontRef>
+        </p:style>
+        <p:txBody>
+          <a:bodyPr rtlCol="0" anchor="ctr"/>
+          <a:lstStyle/>
+          <a:p>
+            <a:pPr algn="ctr"/>
+            <a:endParaRPr lang="de-DE"/>
+          </a:p>
+        </p:txBody>
+      </p:sp>
+      <p:sp>
+        <p:nvSpPr>
+          <p:cNvPr id="21" name="Speech Bubble: Rectangle with Corners Rounded 20">
+            <a:extLst>
+              <a:ext uri="{FF2B5EF4-FFF2-40B4-BE49-F238E27FC236}">
+                <a16:creationId xmlns:a16="http://schemas.microsoft.com/office/drawing/2014/main" id="{BACE0FC4-50F2-4F10-8BB7-CC6857C38EA9}"/>
+              </a:ext>
+            </a:extLst>
+          </p:cNvPr>
+          <p:cNvSpPr/>
+          <p:nvPr/>
+        </p:nvSpPr>
+        <p:spPr>
+          <a:xfrm>
+            <a:off x="7896200" y="4869159"/>
+            <a:ext cx="3309194" cy="1008113"/>
+          </a:xfrm>
+          <a:prstGeom prst="wedgeRoundRectCallout">
+            <a:avLst>
+              <a:gd name="adj1" fmla="val -58371"/>
+              <a:gd name="adj2" fmla="val 16652"/>
+              <a:gd name="adj3" fmla="val 16667"/>
+            </a:avLst>
+          </a:prstGeom>
+          <a:solidFill>
+            <a:srgbClr val="C00000"/>
+          </a:solidFill>
+          <a:ln>
+            <a:noFill/>
+          </a:ln>
+        </p:spPr>
+        <p:style>
+          <a:lnRef idx="2">
+            <a:schemeClr val="accent1">
+              <a:shade val="50000"/>
+            </a:schemeClr>
+          </a:lnRef>
+          <a:fillRef idx="1">
+            <a:schemeClr val="accent1"/>
+          </a:fillRef>
+          <a:effectRef idx="0">
+            <a:schemeClr val="accent1"/>
+          </a:effectRef>
+          <a:fontRef idx="minor">
+            <a:schemeClr val="lt1"/>
+          </a:fontRef>
+        </p:style>
+        <p:txBody>
+          <a:bodyPr rtlCol="0" anchor="ctr"/>
+          <a:lstStyle/>
+          <a:p>
+            <a:r>
+              <a:rPr lang="de-DE" b="1" dirty="0"/>
+              <a:t>External </a:t>
+            </a:r>
+            <a:r>
+              <a:rPr lang="de-DE" b="1" dirty="0" err="1"/>
+              <a:t>places</a:t>
+            </a:r>
+            <a:r>
+              <a:rPr lang="de-DE" b="1" dirty="0"/>
+              <a:t> </a:t>
+            </a:r>
+            <a:r>
+              <a:rPr lang="de-DE" dirty="0" err="1"/>
+              <a:t>you</a:t>
+            </a:r>
+            <a:r>
+              <a:rPr lang="de-DE" dirty="0"/>
+              <a:t> </a:t>
+            </a:r>
+            <a:r>
+              <a:rPr lang="de-DE" dirty="0" err="1"/>
+              <a:t>forward</a:t>
+            </a:r>
+            <a:r>
+              <a:rPr lang="de-DE" dirty="0"/>
+              <a:t> </a:t>
+            </a:r>
+            <a:r>
+              <a:rPr lang="de-DE" dirty="0" err="1"/>
+              <a:t>to</a:t>
+            </a:r>
+            <a:r>
+              <a:rPr lang="de-DE" dirty="0"/>
+              <a:t> (e.g. </a:t>
+            </a:r>
+            <a:r>
+              <a:rPr lang="de-DE" dirty="0" err="1"/>
+              <a:t>archiving</a:t>
+            </a:r>
+            <a:r>
+              <a:rPr lang="de-DE" dirty="0"/>
+              <a:t>) </a:t>
+            </a:r>
+            <a:r>
+              <a:rPr lang="de-DE" dirty="0" err="1"/>
+              <a:t>or</a:t>
+            </a:r>
+            <a:r>
+              <a:rPr lang="de-DE" dirty="0"/>
+              <a:t> </a:t>
+            </a:r>
+            <a:r>
+              <a:rPr lang="de-DE" dirty="0" err="1"/>
+              <a:t>receiving</a:t>
+            </a:r>
+            <a:r>
+              <a:rPr lang="de-DE" dirty="0"/>
+              <a:t> </a:t>
+            </a:r>
+            <a:r>
+              <a:rPr lang="de-DE" dirty="0" err="1"/>
+              <a:t>from</a:t>
+            </a:r>
+            <a:endParaRPr lang="de-DE" dirty="0"/>
+          </a:p>
+        </p:txBody>
+      </p:sp>
     </p:spTree>
     <p:extLst>
       <p:ext uri="{BB962C8B-B14F-4D97-AF65-F5344CB8AC3E}">
@@ -4656,36 +4890,68 @@
           <a:chExt cx="0" cy="0"/>
         </a:xfrm>
       </p:grpSpPr>
-      <p:pic>
-        <p:nvPicPr>
-          <p:cNvPr id="13" name="Picture 12">
-            <a:extLst>
-              <a:ext uri="{FF2B5EF4-FFF2-40B4-BE49-F238E27FC236}">
-                <a16:creationId xmlns:a16="http://schemas.microsoft.com/office/drawing/2014/main" id="{378514CE-5C4F-4CF7-890D-0AEB0F5ED83C}"/>
-              </a:ext>
-            </a:extLst>
-          </p:cNvPr>
-          <p:cNvPicPr>
-            <a:picLocks noChangeAspect="1"/>
-          </p:cNvPicPr>
+      <p:sp>
+        <p:nvSpPr>
+          <p:cNvPr id="59" name="Rectangle 58">
+            <a:extLst>
+              <a:ext uri="{FF2B5EF4-FFF2-40B4-BE49-F238E27FC236}">
+                <a16:creationId xmlns:a16="http://schemas.microsoft.com/office/drawing/2014/main" id="{0D672FE7-8349-439B-8203-D5C5A3BC2D77}"/>
+              </a:ext>
+            </a:extLst>
+          </p:cNvPr>
+          <p:cNvSpPr/>
           <p:nvPr/>
-        </p:nvPicPr>
-        <p:blipFill>
-          <a:blip r:embed="rId2"/>
-          <a:stretch>
-            <a:fillRect/>
-          </a:stretch>
-        </p:blipFill>
+        </p:nvSpPr>
         <p:spPr>
           <a:xfrm>
-            <a:off x="8256240" y="2276872"/>
-            <a:ext cx="460899" cy="405591"/>
+            <a:off x="3736024" y="2636912"/>
+            <a:ext cx="3252161" cy="2088233"/>
           </a:xfrm>
           <a:prstGeom prst="rect">
             <a:avLst/>
           </a:prstGeom>
-        </p:spPr>
-      </p:pic>
+          <a:solidFill>
+            <a:schemeClr val="bg1"/>
+          </a:solidFill>
+          <a:ln>
+            <a:solidFill>
+              <a:srgbClr val="C00000"/>
+            </a:solidFill>
+            <a:prstDash val="dash"/>
+          </a:ln>
+        </p:spPr>
+        <p:style>
+          <a:lnRef idx="2">
+            <a:schemeClr val="accent1">
+              <a:shade val="50000"/>
+            </a:schemeClr>
+          </a:lnRef>
+          <a:fillRef idx="1">
+            <a:schemeClr val="accent1"/>
+          </a:fillRef>
+          <a:effectRef idx="0">
+            <a:schemeClr val="accent1"/>
+          </a:effectRef>
+          <a:fontRef idx="minor">
+            <a:schemeClr val="lt1"/>
+          </a:fontRef>
+        </p:style>
+        <p:txBody>
+          <a:bodyPr rtlCol="0" anchor="t" anchorCtr="0"/>
+          <a:lstStyle/>
+          <a:p>
+            <a:pPr algn="ctr"/>
+            <a:r>
+              <a:rPr lang="de-DE" dirty="0">
+                <a:solidFill>
+                  <a:srgbClr val="C00000"/>
+                </a:solidFill>
+              </a:rPr>
+              <a:t>Monitoring Plane</a:t>
+            </a:r>
+          </a:p>
+        </p:txBody>
+      </p:sp>
       <p:sp>
         <p:nvSpPr>
           <p:cNvPr id="64" name="Rectangle 63">
@@ -4700,8 +4966,8 @@
         </p:nvSpPr>
         <p:spPr>
           <a:xfrm>
-            <a:off x="1199455" y="1772816"/>
-            <a:ext cx="7776865" cy="3888432"/>
+            <a:off x="639680" y="1988839"/>
+            <a:ext cx="6524375" cy="2880321"/>
           </a:xfrm>
           <a:prstGeom prst="rect">
             <a:avLst/>
@@ -4737,20 +5003,12 @@
           <a:lstStyle/>
           <a:p>
             <a:r>
-              <a:rPr lang="de-DE" dirty="0" err="1">
-                <a:solidFill>
-                  <a:schemeClr val="tx1"/>
-                </a:solidFill>
-              </a:rPr>
-              <a:t>Application</a:t>
-            </a:r>
-            <a:r>
               <a:rPr lang="de-DE" dirty="0">
                 <a:solidFill>
                   <a:schemeClr val="tx1"/>
                 </a:solidFill>
               </a:rPr>
-              <a:t> Monitoring</a:t>
+              <a:t>Monitoring</a:t>
             </a:r>
           </a:p>
         </p:txBody>
@@ -4769,8 +5027,8 @@
         </p:nvSpPr>
         <p:spPr>
           <a:xfrm>
-            <a:off x="4666916" y="2780928"/>
-            <a:ext cx="1368152" cy="1457986"/>
+            <a:off x="4107141" y="3140968"/>
+            <a:ext cx="1368152" cy="648072"/>
           </a:xfrm>
           <a:prstGeom prst="rect">
             <a:avLst/>
@@ -4810,6 +5068,22 @@
           <a:p>
             <a:pPr algn="ctr"/>
             <a:r>
+              <a:rPr lang="de-DE" dirty="0" err="1">
+                <a:solidFill>
+                  <a:srgbClr val="C00000"/>
+                </a:solidFill>
+              </a:rPr>
+              <a:t>Telemetry</a:t>
+            </a:r>
+            <a:endParaRPr lang="de-DE" dirty="0">
+              <a:solidFill>
+                <a:srgbClr val="C00000"/>
+              </a:solidFill>
+            </a:endParaRPr>
+          </a:p>
+          <a:p>
+            <a:pPr algn="ctr"/>
+            <a:r>
               <a:rPr lang="de-DE" dirty="0">
                 <a:solidFill>
                   <a:srgbClr val="C00000"/>
@@ -4818,30 +5092,14 @@
               <a:t>App</a:t>
             </a:r>
           </a:p>
-          <a:p>
-            <a:pPr algn="ctr"/>
-            <a:r>
-              <a:rPr lang="de-DE" dirty="0" err="1">
-                <a:solidFill>
-                  <a:srgbClr val="C00000"/>
-                </a:solidFill>
-              </a:rPr>
-              <a:t>Telemetry</a:t>
-            </a:r>
-            <a:endParaRPr lang="de-DE" dirty="0">
-              <a:solidFill>
-                <a:srgbClr val="C00000"/>
-              </a:solidFill>
-            </a:endParaRPr>
-          </a:p>
-        </p:txBody>
-      </p:sp>
-      <p:sp>
-        <p:nvSpPr>
-          <p:cNvPr id="57" name="Rectangle 56">
-            <a:extLst>
-              <a:ext uri="{FF2B5EF4-FFF2-40B4-BE49-F238E27FC236}">
-                <a16:creationId xmlns:a16="http://schemas.microsoft.com/office/drawing/2014/main" id="{23E93547-9461-4B5D-B4E8-46D76EB19F77}"/>
+        </p:txBody>
+      </p:sp>
+      <p:sp>
+        <p:nvSpPr>
+          <p:cNvPr id="67" name="Rectangle 66">
+            <a:extLst>
+              <a:ext uri="{FF2B5EF4-FFF2-40B4-BE49-F238E27FC236}">
+                <a16:creationId xmlns:a16="http://schemas.microsoft.com/office/drawing/2014/main" id="{0B7B1ED9-3F86-4FB6-B160-7C14B8199D21}"/>
               </a:ext>
             </a:extLst>
           </p:cNvPr>
@@ -4850,202 +5108,8 @@
         </p:nvSpPr>
         <p:spPr>
           <a:xfrm>
-            <a:off x="1415480" y="2276872"/>
-            <a:ext cx="1759721" cy="2088233"/>
-          </a:xfrm>
-          <a:prstGeom prst="rect">
-            <a:avLst/>
-          </a:prstGeom>
-          <a:solidFill>
-            <a:schemeClr val="bg1"/>
-          </a:solidFill>
-          <a:ln>
-            <a:solidFill>
-              <a:schemeClr val="accent1"/>
-            </a:solidFill>
-            <a:prstDash val="dash"/>
-          </a:ln>
-        </p:spPr>
-        <p:style>
-          <a:lnRef idx="2">
-            <a:schemeClr val="accent1">
-              <a:shade val="50000"/>
-            </a:schemeClr>
-          </a:lnRef>
-          <a:fillRef idx="1">
-            <a:schemeClr val="accent1"/>
-          </a:fillRef>
-          <a:effectRef idx="0">
-            <a:schemeClr val="accent1"/>
-          </a:effectRef>
-          <a:fontRef idx="minor">
-            <a:schemeClr val="lt1"/>
-          </a:fontRef>
-        </p:style>
-        <p:txBody>
-          <a:bodyPr rtlCol="0" anchor="t" anchorCtr="0"/>
-          <a:lstStyle/>
-          <a:p>
-            <a:pPr algn="ctr"/>
-            <a:r>
-              <a:rPr lang="de-DE" dirty="0" err="1">
-                <a:solidFill>
-                  <a:schemeClr val="accent1"/>
-                </a:solidFill>
-              </a:rPr>
-              <a:t>Monitored</a:t>
-            </a:r>
-            <a:r>
-              <a:rPr lang="de-DE" dirty="0">
-                <a:solidFill>
-                  <a:schemeClr val="accent1"/>
-                </a:solidFill>
-              </a:rPr>
-              <a:t> Resources</a:t>
-            </a:r>
-          </a:p>
-        </p:txBody>
-      </p:sp>
-      <p:sp>
-        <p:nvSpPr>
-          <p:cNvPr id="61" name="Rectangle 60">
-            <a:extLst>
-              <a:ext uri="{FF2B5EF4-FFF2-40B4-BE49-F238E27FC236}">
-                <a16:creationId xmlns:a16="http://schemas.microsoft.com/office/drawing/2014/main" id="{C7A97AA9-DF2C-4940-AB1E-8436B2914446}"/>
-              </a:ext>
-            </a:extLst>
-          </p:cNvPr>
-          <p:cNvSpPr/>
-          <p:nvPr/>
-        </p:nvSpPr>
-        <p:spPr>
-          <a:xfrm>
-            <a:off x="1551113" y="3049989"/>
-            <a:ext cx="1368152" cy="606245"/>
-          </a:xfrm>
-          <a:prstGeom prst="rect">
-            <a:avLst/>
-          </a:prstGeom>
-          <a:solidFill>
-            <a:schemeClr val="accent1">
-              <a:lumMod val="20000"/>
-              <a:lumOff val="80000"/>
-            </a:schemeClr>
-          </a:solidFill>
-          <a:ln>
-            <a:prstDash val="solid"/>
-          </a:ln>
-        </p:spPr>
-        <p:style>
-          <a:lnRef idx="2">
-            <a:schemeClr val="accent1">
-              <a:shade val="50000"/>
-            </a:schemeClr>
-          </a:lnRef>
-          <a:fillRef idx="1">
-            <a:schemeClr val="accent1"/>
-          </a:fillRef>
-          <a:effectRef idx="0">
-            <a:schemeClr val="accent1"/>
-          </a:effectRef>
-          <a:fontRef idx="minor">
-            <a:schemeClr val="lt1"/>
-          </a:fontRef>
-        </p:style>
-        <p:txBody>
-          <a:bodyPr rtlCol="0" anchor="t" anchorCtr="0"/>
-          <a:lstStyle/>
-          <a:p>
-            <a:pPr algn="ctr"/>
-            <a:r>
-              <a:rPr lang="de-DE" dirty="0">
-                <a:solidFill>
-                  <a:schemeClr val="accent1"/>
-                </a:solidFill>
-              </a:rPr>
-              <a:t>App</a:t>
-            </a:r>
-          </a:p>
-        </p:txBody>
-      </p:sp>
-      <p:sp>
-        <p:nvSpPr>
-          <p:cNvPr id="62" name="Rectangle 61">
-            <a:extLst>
-              <a:ext uri="{FF2B5EF4-FFF2-40B4-BE49-F238E27FC236}">
-                <a16:creationId xmlns:a16="http://schemas.microsoft.com/office/drawing/2014/main" id="{9CABC117-FD5B-4BF5-BD51-B9CD2BC76375}"/>
-              </a:ext>
-            </a:extLst>
-          </p:cNvPr>
-          <p:cNvSpPr/>
-          <p:nvPr/>
-        </p:nvSpPr>
-        <p:spPr>
-          <a:xfrm>
-            <a:off x="1551113" y="3642433"/>
-            <a:ext cx="1368152" cy="578656"/>
-          </a:xfrm>
-          <a:prstGeom prst="rect">
-            <a:avLst/>
-          </a:prstGeom>
-          <a:solidFill>
-            <a:schemeClr val="accent1">
-              <a:lumMod val="20000"/>
-              <a:lumOff val="80000"/>
-            </a:schemeClr>
-          </a:solidFill>
-          <a:ln>
-            <a:prstDash val="solid"/>
-          </a:ln>
-        </p:spPr>
-        <p:style>
-          <a:lnRef idx="2">
-            <a:schemeClr val="accent1">
-              <a:shade val="50000"/>
-            </a:schemeClr>
-          </a:lnRef>
-          <a:fillRef idx="1">
-            <a:schemeClr val="accent1"/>
-          </a:fillRef>
-          <a:effectRef idx="0">
-            <a:schemeClr val="accent1"/>
-          </a:effectRef>
-          <a:fontRef idx="minor">
-            <a:schemeClr val="lt1"/>
-          </a:fontRef>
-        </p:style>
-        <p:txBody>
-          <a:bodyPr rtlCol="0" anchor="t" anchorCtr="0"/>
-          <a:lstStyle/>
-          <a:p>
-            <a:pPr algn="ctr"/>
-            <a:r>
-              <a:rPr lang="de-DE" dirty="0">
-                <a:solidFill>
-                  <a:schemeClr val="accent1"/>
-                </a:solidFill>
-              </a:rPr>
-              <a:t>Infra</a:t>
-            </a:r>
-          </a:p>
-        </p:txBody>
-      </p:sp>
-      <p:sp>
-        <p:nvSpPr>
-          <p:cNvPr id="75" name="Rectangle 74">
-            <a:extLst>
-              <a:ext uri="{FF2B5EF4-FFF2-40B4-BE49-F238E27FC236}">
-                <a16:creationId xmlns:a16="http://schemas.microsoft.com/office/drawing/2014/main" id="{15FA06A8-0258-447C-B52A-CB5A78CB4FAA}"/>
-              </a:ext>
-            </a:extLst>
-          </p:cNvPr>
-          <p:cNvSpPr/>
-          <p:nvPr/>
-        </p:nvSpPr>
-        <p:spPr>
-          <a:xfrm rot="16200000">
-            <a:off x="5592517" y="3212403"/>
-            <a:ext cx="1457985" cy="595036"/>
+            <a:off x="4107141" y="3800250"/>
+            <a:ext cx="1368152" cy="780879"/>
           </a:xfrm>
           <a:prstGeom prst="rect">
             <a:avLst/>
@@ -5090,68 +5154,33 @@
                   <a:srgbClr val="C00000"/>
                 </a:solidFill>
               </a:rPr>
-              <a:t>Performanve</a:t>
-            </a:r>
+              <a:t>Telemetry</a:t>
+            </a:r>
+            <a:endParaRPr lang="de-DE" dirty="0">
+              <a:solidFill>
+                <a:srgbClr val="C00000"/>
+              </a:solidFill>
+            </a:endParaRPr>
+          </a:p>
+          <a:p>
+            <a:pPr algn="ctr"/>
             <a:r>
               <a:rPr lang="de-DE" dirty="0">
                 <a:solidFill>
                   <a:srgbClr val="C00000"/>
                 </a:solidFill>
               </a:rPr>
-              <a:t> </a:t>
-            </a:r>
-            <a:r>
-              <a:rPr lang="de-DE" dirty="0" err="1">
-                <a:solidFill>
-                  <a:srgbClr val="C00000"/>
-                </a:solidFill>
-              </a:rPr>
-              <a:t>Perspective</a:t>
-            </a:r>
-            <a:endParaRPr lang="de-DE" dirty="0">
-              <a:solidFill>
-                <a:srgbClr val="C00000"/>
-              </a:solidFill>
-            </a:endParaRPr>
-          </a:p>
-        </p:txBody>
-      </p:sp>
-      <p:pic>
-        <p:nvPicPr>
-          <p:cNvPr id="11" name="Picture 10">
-            <a:extLst>
-              <a:ext uri="{FF2B5EF4-FFF2-40B4-BE49-F238E27FC236}">
-                <a16:creationId xmlns:a16="http://schemas.microsoft.com/office/drawing/2014/main" id="{1A450B99-8244-4AF9-8CE6-7617A473C146}"/>
-              </a:ext>
-            </a:extLst>
-          </p:cNvPr>
-          <p:cNvPicPr>
-            <a:picLocks noChangeAspect="1"/>
-          </p:cNvPicPr>
-          <p:nvPr/>
-        </p:nvPicPr>
-        <p:blipFill>
-          <a:blip r:embed="rId3"/>
-          <a:stretch>
-            <a:fillRect/>
-          </a:stretch>
-        </p:blipFill>
-        <p:spPr>
-          <a:xfrm>
-            <a:off x="6817600" y="3071812"/>
-            <a:ext cx="866775" cy="714375"/>
-          </a:xfrm>
-          <a:prstGeom prst="rect">
-            <a:avLst/>
-          </a:prstGeom>
-        </p:spPr>
-      </p:pic>
-      <p:sp>
-        <p:nvSpPr>
-          <p:cNvPr id="39" name="Rectangle 38">
-            <a:extLst>
-              <a:ext uri="{FF2B5EF4-FFF2-40B4-BE49-F238E27FC236}">
-                <a16:creationId xmlns:a16="http://schemas.microsoft.com/office/drawing/2014/main" id="{D3217451-D6B3-4FB6-8528-52968EBD91C7}"/>
+              <a:t>Infra</a:t>
+            </a:r>
+          </a:p>
+        </p:txBody>
+      </p:sp>
+      <p:sp>
+        <p:nvSpPr>
+          <p:cNvPr id="57" name="Rectangle 56">
+            <a:extLst>
+              <a:ext uri="{FF2B5EF4-FFF2-40B4-BE49-F238E27FC236}">
+                <a16:creationId xmlns:a16="http://schemas.microsoft.com/office/drawing/2014/main" id="{23E93547-9461-4B5D-B4E8-46D76EB19F77}"/>
               </a:ext>
             </a:extLst>
           </p:cNvPr>
@@ -5160,8 +5189,8 @@
         </p:nvSpPr>
         <p:spPr>
           <a:xfrm>
-            <a:off x="4295800" y="4937972"/>
-            <a:ext cx="2448273" cy="507252"/>
+            <a:off x="855705" y="2636911"/>
+            <a:ext cx="1759721" cy="2088233"/>
           </a:xfrm>
           <a:prstGeom prst="rect">
             <a:avLst/>
@@ -5171,7 +5200,7 @@
           </a:solidFill>
           <a:ln>
             <a:solidFill>
-              <a:srgbClr val="C00000"/>
+              <a:schemeClr val="accent1"/>
             </a:solidFill>
             <a:prstDash val="dash"/>
           </a:ln>
@@ -5198,22 +5227,30 @@
           <a:p>
             <a:pPr algn="ctr"/>
             <a:r>
+              <a:rPr lang="de-DE" dirty="0" err="1">
+                <a:solidFill>
+                  <a:schemeClr val="accent1"/>
+                </a:solidFill>
+              </a:rPr>
+              <a:t>Monitored</a:t>
+            </a:r>
+            <a:r>
               <a:rPr lang="de-DE" dirty="0">
                 <a:solidFill>
-                  <a:srgbClr val="C00000"/>
+                  <a:schemeClr val="accent1"/>
                 </a:solidFill>
               </a:rPr>
-              <a:t>Archive</a:t>
-            </a:r>
-          </a:p>
-        </p:txBody>
-      </p:sp>
-      <p:sp>
-        <p:nvSpPr>
-          <p:cNvPr id="2" name="Arrow: Up-Down 1">
-            <a:extLst>
-              <a:ext uri="{FF2B5EF4-FFF2-40B4-BE49-F238E27FC236}">
-                <a16:creationId xmlns:a16="http://schemas.microsoft.com/office/drawing/2014/main" id="{2CD814C9-9BA4-4068-A96C-742D057B9B86}"/>
+              <a:t> Resources</a:t>
+            </a:r>
+          </a:p>
+        </p:txBody>
+      </p:sp>
+      <p:sp>
+        <p:nvSpPr>
+          <p:cNvPr id="61" name="Rectangle 60">
+            <a:extLst>
+              <a:ext uri="{FF2B5EF4-FFF2-40B4-BE49-F238E27FC236}">
+                <a16:creationId xmlns:a16="http://schemas.microsoft.com/office/drawing/2014/main" id="{C7A97AA9-DF2C-4940-AB1E-8436B2914446}"/>
               </a:ext>
             </a:extLst>
           </p:cNvPr>
@@ -5222,19 +5259,20 @@
         </p:nvSpPr>
         <p:spPr>
           <a:xfrm>
-            <a:off x="5447928" y="4365105"/>
-            <a:ext cx="288032" cy="572867"/>
-          </a:xfrm>
-          <a:prstGeom prst="upDownArrow">
+            <a:off x="991338" y="3410028"/>
+            <a:ext cx="1368152" cy="606245"/>
+          </a:xfrm>
+          <a:prstGeom prst="rect">
             <a:avLst/>
           </a:prstGeom>
           <a:solidFill>
-            <a:srgbClr val="C00000"/>
+            <a:schemeClr val="accent1">
+              <a:lumMod val="20000"/>
+              <a:lumOff val="80000"/>
+            </a:schemeClr>
           </a:solidFill>
           <a:ln>
-            <a:solidFill>
-              <a:srgbClr val="C00000"/>
-            </a:solidFill>
+            <a:prstDash val="solid"/>
           </a:ln>
         </p:spPr>
         <p:style>
@@ -5254,305 +5292,49 @@
           </a:fontRef>
         </p:style>
         <p:txBody>
-          <a:bodyPr rtlCol="0" anchor="ctr"/>
+          <a:bodyPr rtlCol="0" anchor="t" anchorCtr="0"/>
           <a:lstStyle/>
           <a:p>
             <a:pPr algn="ctr"/>
-            <a:endParaRPr lang="de-DE">
-              <a:solidFill>
-                <a:schemeClr val="tx1"/>
-              </a:solidFill>
-            </a:endParaRPr>
-          </a:p>
-        </p:txBody>
-      </p:sp>
-      <p:pic>
-        <p:nvPicPr>
-          <p:cNvPr id="43" name="Picture 42">
-            <a:extLst>
-              <a:ext uri="{FF2B5EF4-FFF2-40B4-BE49-F238E27FC236}">
-                <a16:creationId xmlns:a16="http://schemas.microsoft.com/office/drawing/2014/main" id="{07738DD7-7E35-40F6-BFC0-110B3CBB45DC}"/>
-              </a:ext>
-            </a:extLst>
-          </p:cNvPr>
-          <p:cNvPicPr>
-            <a:picLocks noChangeAspect="1"/>
-          </p:cNvPicPr>
+            <a:r>
+              <a:rPr lang="de-DE" dirty="0">
+                <a:solidFill>
+                  <a:schemeClr val="accent1"/>
+                </a:solidFill>
+              </a:rPr>
+              <a:t>App</a:t>
+            </a:r>
+          </a:p>
+        </p:txBody>
+      </p:sp>
+      <p:sp>
+        <p:nvSpPr>
+          <p:cNvPr id="62" name="Rectangle 61">
+            <a:extLst>
+              <a:ext uri="{FF2B5EF4-FFF2-40B4-BE49-F238E27FC236}">
+                <a16:creationId xmlns:a16="http://schemas.microsoft.com/office/drawing/2014/main" id="{9CABC117-FD5B-4BF5-BD51-B9CD2BC76375}"/>
+              </a:ext>
+            </a:extLst>
+          </p:cNvPr>
+          <p:cNvSpPr/>
           <p:nvPr/>
-        </p:nvPicPr>
-        <p:blipFill>
-          <a:blip r:embed="rId4"/>
-          <a:stretch>
-            <a:fillRect/>
-          </a:stretch>
-        </p:blipFill>
+        </p:nvSpPr>
         <p:spPr>
           <a:xfrm>
-            <a:off x="1343472" y="5085184"/>
-            <a:ext cx="438057" cy="417197"/>
+            <a:off x="991338" y="4002472"/>
+            <a:ext cx="1368152" cy="578656"/>
           </a:xfrm>
           <a:prstGeom prst="rect">
             <a:avLst/>
           </a:prstGeom>
+          <a:solidFill>
+            <a:schemeClr val="accent1">
+              <a:lumMod val="20000"/>
+              <a:lumOff val="80000"/>
+            </a:schemeClr>
+          </a:solidFill>
           <a:ln>
-            <a:noFill/>
-          </a:ln>
-        </p:spPr>
-      </p:pic>
-      <p:pic>
-        <p:nvPicPr>
-          <p:cNvPr id="58" name="Picture 57">
-            <a:extLst>
-              <a:ext uri="{FF2B5EF4-FFF2-40B4-BE49-F238E27FC236}">
-                <a16:creationId xmlns:a16="http://schemas.microsoft.com/office/drawing/2014/main" id="{26A7AB38-B961-4CD1-929B-B414C417FED4}"/>
-              </a:ext>
-            </a:extLst>
-          </p:cNvPr>
-          <p:cNvPicPr/>
-          <p:nvPr/>
-        </p:nvPicPr>
-        <p:blipFill>
-          <a:blip r:embed="rId5">
-            <a:extLst>
-              <a:ext uri="{28A0092B-C50C-407E-A947-70E740481C1C}">
-                <a14:useLocalDpi xmlns:a14="http://schemas.microsoft.com/office/drawing/2010/main" val="0"/>
-              </a:ext>
-            </a:extLst>
-          </a:blip>
-          <a:srcRect/>
-          <a:stretch>
-            <a:fillRect/>
-          </a:stretch>
-        </p:blipFill>
-        <p:spPr bwMode="auto">
-          <a:xfrm>
-            <a:off x="6525222" y="2348880"/>
-            <a:ext cx="362866" cy="378042"/>
-          </a:xfrm>
-          <a:prstGeom prst="rect">
-            <a:avLst/>
-          </a:prstGeom>
-          <a:noFill/>
-          <a:ln>
-            <a:noFill/>
-          </a:ln>
-        </p:spPr>
-      </p:pic>
-      <p:pic>
-        <p:nvPicPr>
-          <p:cNvPr id="60" name="Picture 59">
-            <a:extLst>
-              <a:ext uri="{FF2B5EF4-FFF2-40B4-BE49-F238E27FC236}">
-                <a16:creationId xmlns:a16="http://schemas.microsoft.com/office/drawing/2014/main" id="{AA4E3B65-6454-4AA5-8A5A-27DAA7F28D77}"/>
-              </a:ext>
-            </a:extLst>
-          </p:cNvPr>
-          <p:cNvPicPr/>
-          <p:nvPr/>
-        </p:nvPicPr>
-        <p:blipFill>
-          <a:blip r:embed="rId6">
-            <a:extLst>
-              <a:ext uri="{28A0092B-C50C-407E-A947-70E740481C1C}">
-                <a14:useLocalDpi xmlns:a14="http://schemas.microsoft.com/office/drawing/2010/main" val="0"/>
-              </a:ext>
-            </a:extLst>
-          </a:blip>
-          <a:srcRect/>
-          <a:stretch>
-            <a:fillRect/>
-          </a:stretch>
-        </p:blipFill>
-        <p:spPr bwMode="auto">
-          <a:xfrm>
-            <a:off x="6888088" y="2297892"/>
-            <a:ext cx="400050" cy="431800"/>
-          </a:xfrm>
-          <a:prstGeom prst="rect">
-            <a:avLst/>
-          </a:prstGeom>
-          <a:noFill/>
-          <a:ln>
-            <a:noFill/>
-          </a:ln>
-        </p:spPr>
-      </p:pic>
-      <p:pic>
-        <p:nvPicPr>
-          <p:cNvPr id="63" name="Picture 62">
-            <a:extLst>
-              <a:ext uri="{FF2B5EF4-FFF2-40B4-BE49-F238E27FC236}">
-                <a16:creationId xmlns:a16="http://schemas.microsoft.com/office/drawing/2014/main" id="{C7C440D8-D3A6-4BD2-A45C-19FBF2876DCE}"/>
-              </a:ext>
-            </a:extLst>
-          </p:cNvPr>
-          <p:cNvPicPr>
-            <a:picLocks noChangeAspect="1"/>
-          </p:cNvPicPr>
-          <p:nvPr/>
-        </p:nvPicPr>
-        <p:blipFill>
-          <a:blip r:embed="rId7"/>
-          <a:stretch>
-            <a:fillRect/>
-          </a:stretch>
-        </p:blipFill>
-        <p:spPr>
-          <a:xfrm>
-            <a:off x="5807968" y="4427304"/>
-            <a:ext cx="551515" cy="492844"/>
-          </a:xfrm>
-          <a:prstGeom prst="rect">
-            <a:avLst/>
-          </a:prstGeom>
-        </p:spPr>
-      </p:pic>
-      <p:pic>
-        <p:nvPicPr>
-          <p:cNvPr id="66" name="Picture 65">
-            <a:extLst>
-              <a:ext uri="{FF2B5EF4-FFF2-40B4-BE49-F238E27FC236}">
-                <a16:creationId xmlns:a16="http://schemas.microsoft.com/office/drawing/2014/main" id="{064820AA-E624-4E4A-91D9-395B453D1431}"/>
-              </a:ext>
-            </a:extLst>
-          </p:cNvPr>
-          <p:cNvPicPr>
-            <a:picLocks noChangeAspect="1"/>
-          </p:cNvPicPr>
-          <p:nvPr/>
-        </p:nvPicPr>
-        <p:blipFill>
-          <a:blip r:embed="rId8"/>
-          <a:stretch>
-            <a:fillRect/>
-          </a:stretch>
-        </p:blipFill>
-        <p:spPr>
-          <a:xfrm>
-            <a:off x="7320136" y="2297892"/>
-            <a:ext cx="485775" cy="414338"/>
-          </a:xfrm>
-          <a:prstGeom prst="rect">
-            <a:avLst/>
-          </a:prstGeom>
-        </p:spPr>
-      </p:pic>
-      <p:pic>
-        <p:nvPicPr>
-          <p:cNvPr id="4" name="Picture 3">
-            <a:extLst>
-              <a:ext uri="{FF2B5EF4-FFF2-40B4-BE49-F238E27FC236}">
-                <a16:creationId xmlns:a16="http://schemas.microsoft.com/office/drawing/2014/main" id="{148C1689-EDCE-4089-80AE-5457BFA5D40E}"/>
-              </a:ext>
-            </a:extLst>
-          </p:cNvPr>
-          <p:cNvPicPr>
-            <a:picLocks noChangeAspect="1"/>
-          </p:cNvPicPr>
-          <p:nvPr/>
-        </p:nvPicPr>
-        <p:blipFill>
-          <a:blip r:embed="rId9"/>
-          <a:stretch>
-            <a:fillRect/>
-          </a:stretch>
-        </p:blipFill>
-        <p:spPr>
-          <a:xfrm>
-            <a:off x="6152169" y="2334028"/>
-            <a:ext cx="362866" cy="342065"/>
-          </a:xfrm>
-          <a:prstGeom prst="rect">
-            <a:avLst/>
-          </a:prstGeom>
-        </p:spPr>
-      </p:pic>
-      <p:pic>
-        <p:nvPicPr>
-          <p:cNvPr id="68" name="Picture 67">
-            <a:extLst>
-              <a:ext uri="{FF2B5EF4-FFF2-40B4-BE49-F238E27FC236}">
-                <a16:creationId xmlns:a16="http://schemas.microsoft.com/office/drawing/2014/main" id="{713AE0A6-999E-4B7E-83FC-E1F6A16B23FD}"/>
-              </a:ext>
-            </a:extLst>
-          </p:cNvPr>
-          <p:cNvPicPr>
-            <a:picLocks noChangeAspect="1"/>
-          </p:cNvPicPr>
-          <p:nvPr/>
-        </p:nvPicPr>
-        <p:blipFill>
-          <a:blip r:embed="rId10"/>
-          <a:stretch>
-            <a:fillRect/>
-          </a:stretch>
-        </p:blipFill>
-        <p:spPr>
-          <a:xfrm>
-            <a:off x="6320019" y="5000558"/>
-            <a:ext cx="386636" cy="369452"/>
-          </a:xfrm>
-          <a:prstGeom prst="rect">
-            <a:avLst/>
-          </a:prstGeom>
-        </p:spPr>
-      </p:pic>
-      <p:pic>
-        <p:nvPicPr>
-          <p:cNvPr id="9" name="Picture 8">
-            <a:extLst>
-              <a:ext uri="{FF2B5EF4-FFF2-40B4-BE49-F238E27FC236}">
-                <a16:creationId xmlns:a16="http://schemas.microsoft.com/office/drawing/2014/main" id="{977FD49A-C834-4007-909B-6BAB0F1BC6E3}"/>
-              </a:ext>
-            </a:extLst>
-          </p:cNvPr>
-          <p:cNvPicPr>
-            <a:picLocks noChangeAspect="1"/>
-          </p:cNvPicPr>
-          <p:nvPr/>
-        </p:nvPicPr>
-        <p:blipFill>
-          <a:blip r:embed="rId11"/>
-          <a:stretch>
-            <a:fillRect/>
-          </a:stretch>
-        </p:blipFill>
-        <p:spPr>
-          <a:xfrm>
-            <a:off x="7844954" y="2307945"/>
-            <a:ext cx="390525" cy="371475"/>
-          </a:xfrm>
-          <a:prstGeom prst="rect">
-            <a:avLst/>
-          </a:prstGeom>
-        </p:spPr>
-      </p:pic>
-      <p:sp>
-        <p:nvSpPr>
-          <p:cNvPr id="59" name="Rectangle 58">
-            <a:extLst>
-              <a:ext uri="{FF2B5EF4-FFF2-40B4-BE49-F238E27FC236}">
-                <a16:creationId xmlns:a16="http://schemas.microsoft.com/office/drawing/2014/main" id="{0D672FE7-8349-439B-8203-D5C5A3BC2D77}"/>
-              </a:ext>
-            </a:extLst>
-          </p:cNvPr>
-          <p:cNvSpPr/>
-          <p:nvPr/>
-        </p:nvSpPr>
-        <p:spPr>
-          <a:xfrm>
-            <a:off x="4295799" y="2276873"/>
-            <a:ext cx="4536505" cy="2088233"/>
-          </a:xfrm>
-          <a:prstGeom prst="rect">
-            <a:avLst/>
-          </a:prstGeom>
-          <a:noFill/>
-          <a:ln>
-            <a:solidFill>
-              <a:srgbClr val="C00000"/>
-            </a:solidFill>
-            <a:prstDash val="dash"/>
+            <a:prstDash val="solid"/>
           </a:ln>
         </p:spPr>
         <p:style>
@@ -5575,13 +5357,14 @@
           <a:bodyPr rtlCol="0" anchor="t" anchorCtr="0"/>
           <a:lstStyle/>
           <a:p>
+            <a:pPr algn="ctr"/>
             <a:r>
               <a:rPr lang="de-DE" dirty="0">
                 <a:solidFill>
-                  <a:srgbClr val="C00000"/>
+                  <a:schemeClr val="accent1"/>
                 </a:solidFill>
               </a:rPr>
-              <a:t>Monitoring Plane</a:t>
+              <a:t>Infra</a:t>
             </a:r>
           </a:p>
         </p:txBody>
@@ -5600,7 +5383,7 @@
         </p:nvGrpSpPr>
         <p:grpSpPr>
           <a:xfrm>
-            <a:off x="3071664" y="2996953"/>
+            <a:off x="2511889" y="2996952"/>
             <a:ext cx="1656184" cy="1296144"/>
             <a:chOff x="4007768" y="5373216"/>
             <a:chExt cx="1656184" cy="1296144"/>
@@ -5774,10 +5557,931 @@
           </p:txBody>
         </p:sp>
       </p:grpSp>
+      <p:sp>
+        <p:nvSpPr>
+          <p:cNvPr id="75" name="Rectangle 74">
+            <a:extLst>
+              <a:ext uri="{FF2B5EF4-FFF2-40B4-BE49-F238E27FC236}">
+                <a16:creationId xmlns:a16="http://schemas.microsoft.com/office/drawing/2014/main" id="{15FA06A8-0258-447C-B52A-CB5A78CB4FAA}"/>
+              </a:ext>
+            </a:extLst>
+          </p:cNvPr>
+          <p:cNvSpPr/>
+          <p:nvPr/>
+        </p:nvSpPr>
+        <p:spPr>
+          <a:xfrm rot="16200000">
+            <a:off x="5041654" y="3563530"/>
+            <a:ext cx="1440161" cy="595036"/>
+          </a:xfrm>
+          <a:prstGeom prst="rect">
+            <a:avLst/>
+          </a:prstGeom>
+          <a:solidFill>
+            <a:schemeClr val="accent2">
+              <a:lumMod val="20000"/>
+              <a:lumOff val="80000"/>
+            </a:schemeClr>
+          </a:solidFill>
+          <a:ln>
+            <a:solidFill>
+              <a:srgbClr val="C00000"/>
+            </a:solidFill>
+            <a:prstDash val="solid"/>
+          </a:ln>
+        </p:spPr>
+        <p:style>
+          <a:lnRef idx="2">
+            <a:schemeClr val="accent1">
+              <a:shade val="50000"/>
+            </a:schemeClr>
+          </a:lnRef>
+          <a:fillRef idx="1">
+            <a:schemeClr val="accent1"/>
+          </a:fillRef>
+          <a:effectRef idx="0">
+            <a:schemeClr val="accent1"/>
+          </a:effectRef>
+          <a:fontRef idx="minor">
+            <a:schemeClr val="lt1"/>
+          </a:fontRef>
+        </p:style>
+        <p:txBody>
+          <a:bodyPr rtlCol="0" anchor="t" anchorCtr="0"/>
+          <a:lstStyle/>
+          <a:p>
+            <a:pPr algn="ctr"/>
+            <a:r>
+              <a:rPr lang="de-DE" dirty="0" err="1">
+                <a:solidFill>
+                  <a:srgbClr val="C00000"/>
+                </a:solidFill>
+              </a:rPr>
+              <a:t>Perspective</a:t>
+            </a:r>
+            <a:endParaRPr lang="de-DE" dirty="0">
+              <a:solidFill>
+                <a:srgbClr val="C00000"/>
+              </a:solidFill>
+            </a:endParaRPr>
+          </a:p>
+        </p:txBody>
+      </p:sp>
+      <p:sp>
+        <p:nvSpPr>
+          <p:cNvPr id="76" name="Speech Bubble: Rectangle with Corners Rounded 75">
+            <a:extLst>
+              <a:ext uri="{FF2B5EF4-FFF2-40B4-BE49-F238E27FC236}">
+                <a16:creationId xmlns:a16="http://schemas.microsoft.com/office/drawing/2014/main" id="{DA9F812C-A617-44D5-8EEE-051D6F5F265C}"/>
+              </a:ext>
+            </a:extLst>
+          </p:cNvPr>
+          <p:cNvSpPr/>
+          <p:nvPr/>
+        </p:nvSpPr>
+        <p:spPr>
+          <a:xfrm>
+            <a:off x="479376" y="4965812"/>
+            <a:ext cx="2952328" cy="1127484"/>
+          </a:xfrm>
+          <a:prstGeom prst="wedgeRoundRectCallout">
+            <a:avLst>
+              <a:gd name="adj1" fmla="val -5341"/>
+              <a:gd name="adj2" fmla="val -72770"/>
+              <a:gd name="adj3" fmla="val 16667"/>
+            </a:avLst>
+          </a:prstGeom>
+          <a:solidFill>
+            <a:schemeClr val="accent1"/>
+          </a:solidFill>
+          <a:ln>
+            <a:solidFill>
+              <a:schemeClr val="accent6">
+                <a:lumMod val="50000"/>
+              </a:schemeClr>
+            </a:solidFill>
+          </a:ln>
+        </p:spPr>
+        <p:style>
+          <a:lnRef idx="2">
+            <a:schemeClr val="accent1">
+              <a:shade val="50000"/>
+            </a:schemeClr>
+          </a:lnRef>
+          <a:fillRef idx="1">
+            <a:schemeClr val="accent1"/>
+          </a:fillRef>
+          <a:effectRef idx="0">
+            <a:schemeClr val="accent1"/>
+          </a:effectRef>
+          <a:fontRef idx="minor">
+            <a:schemeClr val="lt1"/>
+          </a:fontRef>
+        </p:style>
+        <p:txBody>
+          <a:bodyPr rtlCol="0" anchor="ctr"/>
+          <a:lstStyle/>
+          <a:p>
+            <a:r>
+              <a:rPr lang="de-DE" b="1" dirty="0" err="1"/>
+              <a:t>Monitored</a:t>
+            </a:r>
+            <a:r>
+              <a:rPr lang="de-DE" b="1" dirty="0"/>
+              <a:t> </a:t>
+            </a:r>
+            <a:r>
+              <a:rPr lang="de-DE" b="1" dirty="0" err="1"/>
+              <a:t>resources</a:t>
+            </a:r>
+            <a:r>
+              <a:rPr lang="de-DE" b="1" dirty="0"/>
+              <a:t> </a:t>
+            </a:r>
+            <a:r>
+              <a:rPr lang="de-DE" dirty="0" err="1"/>
+              <a:t>that</a:t>
+            </a:r>
+            <a:r>
+              <a:rPr lang="de-DE" dirty="0"/>
+              <a:t> </a:t>
+            </a:r>
+            <a:r>
+              <a:rPr lang="de-DE" dirty="0" err="1"/>
+              <a:t>emit</a:t>
+            </a:r>
+            <a:r>
+              <a:rPr lang="de-DE" dirty="0"/>
+              <a:t> </a:t>
+            </a:r>
+            <a:r>
+              <a:rPr lang="de-DE" dirty="0" err="1"/>
+              <a:t>metrics</a:t>
+            </a:r>
+            <a:r>
+              <a:rPr lang="de-DE" dirty="0"/>
+              <a:t> </a:t>
+            </a:r>
+            <a:r>
+              <a:rPr lang="de-DE" dirty="0" err="1"/>
+              <a:t>and</a:t>
+            </a:r>
+            <a:r>
+              <a:rPr lang="de-DE" dirty="0"/>
+              <a:t> </a:t>
+            </a:r>
+            <a:r>
+              <a:rPr lang="de-DE" dirty="0" err="1"/>
+              <a:t>logs</a:t>
+            </a:r>
+            <a:r>
+              <a:rPr lang="de-DE" dirty="0"/>
+              <a:t> </a:t>
+            </a:r>
+            <a:r>
+              <a:rPr lang="de-DE" dirty="0" err="1"/>
+              <a:t>tracked</a:t>
+            </a:r>
+            <a:r>
+              <a:rPr lang="de-DE" dirty="0"/>
+              <a:t> in </a:t>
+            </a:r>
+            <a:r>
+              <a:rPr lang="de-DE" dirty="0" err="1"/>
+              <a:t>activity</a:t>
+            </a:r>
+            <a:r>
+              <a:rPr lang="de-DE" dirty="0"/>
+              <a:t>, </a:t>
+            </a:r>
+            <a:r>
+              <a:rPr lang="de-DE" dirty="0" err="1"/>
+              <a:t>resource</a:t>
+            </a:r>
+            <a:r>
+              <a:rPr lang="de-DE" dirty="0"/>
+              <a:t> </a:t>
+            </a:r>
+            <a:r>
+              <a:rPr lang="de-DE" dirty="0" err="1"/>
+              <a:t>and</a:t>
+            </a:r>
+            <a:r>
+              <a:rPr lang="de-DE" dirty="0"/>
+              <a:t> AAD </a:t>
+            </a:r>
+            <a:r>
+              <a:rPr lang="de-DE" dirty="0" err="1"/>
+              <a:t>related</a:t>
+            </a:r>
+            <a:r>
+              <a:rPr lang="de-DE" dirty="0"/>
+              <a:t> </a:t>
+            </a:r>
+            <a:r>
+              <a:rPr lang="de-DE" dirty="0" err="1"/>
+              <a:t>logs</a:t>
+            </a:r>
+            <a:endParaRPr lang="de-DE" dirty="0"/>
+          </a:p>
+        </p:txBody>
+      </p:sp>
+      <p:sp>
+        <p:nvSpPr>
+          <p:cNvPr id="77" name="Speech Bubble: Rectangle with Corners Rounded 76">
+            <a:extLst>
+              <a:ext uri="{FF2B5EF4-FFF2-40B4-BE49-F238E27FC236}">
+                <a16:creationId xmlns:a16="http://schemas.microsoft.com/office/drawing/2014/main" id="{951A5FA9-6DAF-416C-B750-03CA9C81ECCC}"/>
+              </a:ext>
+            </a:extLst>
+          </p:cNvPr>
+          <p:cNvSpPr/>
+          <p:nvPr/>
+        </p:nvSpPr>
+        <p:spPr>
+          <a:xfrm>
+            <a:off x="1503777" y="620688"/>
+            <a:ext cx="7560840" cy="1260290"/>
+          </a:xfrm>
+          <a:prstGeom prst="wedgeRoundRectCallout">
+            <a:avLst>
+              <a:gd name="adj1" fmla="val -26099"/>
+              <a:gd name="adj2" fmla="val 125832"/>
+              <a:gd name="adj3" fmla="val 16667"/>
+            </a:avLst>
+          </a:prstGeom>
+          <a:solidFill>
+            <a:srgbClr val="C00000"/>
+          </a:solidFill>
+          <a:ln>
+            <a:noFill/>
+          </a:ln>
+        </p:spPr>
+        <p:style>
+          <a:lnRef idx="2">
+            <a:schemeClr val="accent1">
+              <a:shade val="50000"/>
+            </a:schemeClr>
+          </a:lnRef>
+          <a:fillRef idx="1">
+            <a:schemeClr val="accent1"/>
+          </a:fillRef>
+          <a:effectRef idx="0">
+            <a:schemeClr val="accent1"/>
+          </a:effectRef>
+          <a:fontRef idx="minor">
+            <a:schemeClr val="lt1"/>
+          </a:fontRef>
+        </p:style>
+        <p:txBody>
+          <a:bodyPr rtlCol="0" anchor="ctr"/>
+          <a:lstStyle/>
+          <a:p>
+            <a:r>
+              <a:rPr lang="de-DE" dirty="0"/>
+              <a:t>Central </a:t>
+            </a:r>
+            <a:r>
+              <a:rPr lang="de-DE" dirty="0" err="1"/>
+              <a:t>services</a:t>
+            </a:r>
+            <a:r>
+              <a:rPr lang="de-DE" dirty="0"/>
+              <a:t> in </a:t>
+            </a:r>
+            <a:r>
+              <a:rPr lang="de-DE" b="1" dirty="0" err="1"/>
+              <a:t>monitoring</a:t>
+            </a:r>
+            <a:r>
+              <a:rPr lang="de-DE" b="1" dirty="0"/>
+              <a:t> </a:t>
+            </a:r>
+            <a:r>
+              <a:rPr lang="de-DE" b="1" dirty="0" err="1"/>
+              <a:t>pipeline</a:t>
+            </a:r>
+            <a:r>
+              <a:rPr lang="de-DE" b="1" dirty="0"/>
+              <a:t> </a:t>
+            </a:r>
+            <a:r>
+              <a:rPr lang="de-DE" dirty="0"/>
+              <a:t>per </a:t>
+            </a:r>
+            <a:r>
+              <a:rPr lang="de-DE" dirty="0" err="1"/>
+              <a:t>stage</a:t>
+            </a:r>
+            <a:r>
+              <a:rPr lang="de-DE" dirty="0"/>
+              <a:t>:</a:t>
+            </a:r>
+          </a:p>
+          <a:p>
+            <a:pPr marL="285750" indent="-285750">
+              <a:buFont typeface="Arial" panose="020B0604020202020204" pitchFamily="34" charset="0"/>
+              <a:buChar char="•"/>
+            </a:pPr>
+            <a:r>
+              <a:rPr lang="de-DE" dirty="0"/>
+              <a:t>Collection/ Storage </a:t>
+            </a:r>
+            <a:r>
+              <a:rPr lang="de-DE" dirty="0">
+                <a:sym typeface="Wingdings" panose="05000000000000000000" pitchFamily="2" charset="2"/>
+              </a:rPr>
+              <a:t> </a:t>
+            </a:r>
+            <a:r>
+              <a:rPr lang="de-DE" dirty="0" err="1">
+                <a:sym typeface="Wingdings" panose="05000000000000000000" pitchFamily="2" charset="2"/>
+              </a:rPr>
+              <a:t>Azure</a:t>
+            </a:r>
+            <a:r>
+              <a:rPr lang="de-DE" dirty="0">
+                <a:sym typeface="Wingdings" panose="05000000000000000000" pitchFamily="2" charset="2"/>
+              </a:rPr>
+              <a:t> Monitor (Log Analytics, App </a:t>
+            </a:r>
+            <a:r>
+              <a:rPr lang="de-DE" dirty="0" err="1">
+                <a:sym typeface="Wingdings" panose="05000000000000000000" pitchFamily="2" charset="2"/>
+              </a:rPr>
+              <a:t>Insights</a:t>
+            </a:r>
+            <a:r>
+              <a:rPr lang="de-DE" dirty="0">
+                <a:sym typeface="Wingdings" panose="05000000000000000000" pitchFamily="2" charset="2"/>
+              </a:rPr>
+              <a:t>)</a:t>
+            </a:r>
+            <a:endParaRPr lang="de-DE" dirty="0"/>
+          </a:p>
+          <a:p>
+            <a:pPr marL="285750" indent="-285750">
+              <a:buFont typeface="Arial" panose="020B0604020202020204" pitchFamily="34" charset="0"/>
+              <a:buChar char="•"/>
+            </a:pPr>
+            <a:r>
+              <a:rPr lang="de-DE" dirty="0"/>
+              <a:t>Analysis/ Diagnosis </a:t>
+            </a:r>
+            <a:r>
+              <a:rPr lang="de-DE" dirty="0">
+                <a:sym typeface="Wingdings" panose="05000000000000000000" pitchFamily="2" charset="2"/>
+              </a:rPr>
+              <a:t> </a:t>
+            </a:r>
+            <a:r>
+              <a:rPr lang="de-DE" dirty="0" err="1">
+                <a:sym typeface="Wingdings" panose="05000000000000000000" pitchFamily="2" charset="2"/>
+              </a:rPr>
+              <a:t>Kusto</a:t>
+            </a:r>
+            <a:r>
+              <a:rPr lang="de-DE" dirty="0">
+                <a:sym typeface="Wingdings" panose="05000000000000000000" pitchFamily="2" charset="2"/>
+              </a:rPr>
+              <a:t> </a:t>
+            </a:r>
+            <a:r>
+              <a:rPr lang="de-DE" dirty="0" err="1">
+                <a:sym typeface="Wingdings" panose="05000000000000000000" pitchFamily="2" charset="2"/>
+              </a:rPr>
+              <a:t>query</a:t>
+            </a:r>
+            <a:r>
+              <a:rPr lang="de-DE" dirty="0">
+                <a:sym typeface="Wingdings" panose="05000000000000000000" pitchFamily="2" charset="2"/>
+              </a:rPr>
+              <a:t> </a:t>
+            </a:r>
+            <a:r>
+              <a:rPr lang="de-DE" dirty="0" err="1">
+                <a:sym typeface="Wingdings" panose="05000000000000000000" pitchFamily="2" charset="2"/>
+              </a:rPr>
+              <a:t>language</a:t>
+            </a:r>
+            <a:endParaRPr lang="de-DE" dirty="0"/>
+          </a:p>
+          <a:p>
+            <a:pPr marL="285750" indent="-285750">
+              <a:buFont typeface="Arial" panose="020B0604020202020204" pitchFamily="34" charset="0"/>
+              <a:buChar char="•"/>
+            </a:pPr>
+            <a:r>
+              <a:rPr lang="de-DE" dirty="0" err="1"/>
+              <a:t>Visualization</a:t>
+            </a:r>
+            <a:r>
+              <a:rPr lang="de-DE" dirty="0"/>
+              <a:t>/ </a:t>
+            </a:r>
+            <a:r>
+              <a:rPr lang="de-DE" dirty="0" err="1"/>
+              <a:t>Alerting</a:t>
+            </a:r>
+            <a:r>
+              <a:rPr lang="de-DE" dirty="0"/>
+              <a:t> </a:t>
+            </a:r>
+            <a:r>
+              <a:rPr lang="de-DE" dirty="0">
+                <a:sym typeface="Wingdings" panose="05000000000000000000" pitchFamily="2" charset="2"/>
+              </a:rPr>
+              <a:t> </a:t>
+            </a:r>
+            <a:r>
+              <a:rPr lang="de-DE" dirty="0" err="1">
+                <a:sym typeface="Wingdings" panose="05000000000000000000" pitchFamily="2" charset="2"/>
+              </a:rPr>
+              <a:t>Azure</a:t>
+            </a:r>
+            <a:r>
+              <a:rPr lang="de-DE" dirty="0">
+                <a:sym typeface="Wingdings" panose="05000000000000000000" pitchFamily="2" charset="2"/>
+              </a:rPr>
+              <a:t> Monitor (Workbooks, Dashboards, </a:t>
+            </a:r>
+            <a:r>
+              <a:rPr lang="de-DE" dirty="0" err="1">
+                <a:sym typeface="Wingdings" panose="05000000000000000000" pitchFamily="2" charset="2"/>
+              </a:rPr>
+              <a:t>Alerts</a:t>
+            </a:r>
+            <a:r>
+              <a:rPr lang="de-DE" dirty="0">
+                <a:sym typeface="Wingdings" panose="05000000000000000000" pitchFamily="2" charset="2"/>
+              </a:rPr>
+              <a:t>)</a:t>
+            </a:r>
+            <a:endParaRPr lang="de-DE" dirty="0"/>
+          </a:p>
+        </p:txBody>
+      </p:sp>
+      <p:sp>
+        <p:nvSpPr>
+          <p:cNvPr id="78" name="Speech Bubble: Rectangle with Corners Rounded 77">
+            <a:extLst>
+              <a:ext uri="{FF2B5EF4-FFF2-40B4-BE49-F238E27FC236}">
+                <a16:creationId xmlns:a16="http://schemas.microsoft.com/office/drawing/2014/main" id="{1BE373E6-1D22-4EC0-8240-E3C9B7A1421F}"/>
+              </a:ext>
+            </a:extLst>
+          </p:cNvPr>
+          <p:cNvSpPr/>
+          <p:nvPr/>
+        </p:nvSpPr>
+        <p:spPr>
+          <a:xfrm>
+            <a:off x="7408432" y="2889090"/>
+            <a:ext cx="4448207" cy="1836054"/>
+          </a:xfrm>
+          <a:prstGeom prst="wedgeRoundRectCallout">
+            <a:avLst>
+              <a:gd name="adj1" fmla="val -58371"/>
+              <a:gd name="adj2" fmla="val 16652"/>
+              <a:gd name="adj3" fmla="val 16667"/>
+            </a:avLst>
+          </a:prstGeom>
+          <a:solidFill>
+            <a:srgbClr val="C00000"/>
+          </a:solidFill>
+          <a:ln>
+            <a:noFill/>
+          </a:ln>
+        </p:spPr>
+        <p:style>
+          <a:lnRef idx="2">
+            <a:schemeClr val="accent1">
+              <a:shade val="50000"/>
+            </a:schemeClr>
+          </a:lnRef>
+          <a:fillRef idx="1">
+            <a:schemeClr val="accent1"/>
+          </a:fillRef>
+          <a:effectRef idx="0">
+            <a:schemeClr val="accent1"/>
+          </a:effectRef>
+          <a:fontRef idx="minor">
+            <a:schemeClr val="lt1"/>
+          </a:fontRef>
+        </p:style>
+        <p:txBody>
+          <a:bodyPr rtlCol="0" anchor="ctr"/>
+          <a:lstStyle/>
+          <a:p>
+            <a:r>
+              <a:rPr lang="de-DE" b="1" dirty="0"/>
+              <a:t>Major </a:t>
+            </a:r>
+            <a:r>
+              <a:rPr lang="de-DE" b="1" dirty="0" err="1"/>
+              <a:t>services</a:t>
+            </a:r>
+            <a:r>
+              <a:rPr lang="de-DE" b="1" dirty="0"/>
+              <a:t> per </a:t>
+            </a:r>
+            <a:r>
+              <a:rPr lang="de-DE" b="1" dirty="0" err="1"/>
+              <a:t>perspective</a:t>
+            </a:r>
+            <a:r>
+              <a:rPr lang="de-DE" b="1" dirty="0"/>
+              <a:t>:</a:t>
+            </a:r>
+          </a:p>
+          <a:p>
+            <a:r>
+              <a:rPr lang="de-DE" dirty="0" err="1"/>
+              <a:t>Cost</a:t>
+            </a:r>
+            <a:r>
+              <a:rPr lang="de-DE" dirty="0"/>
+              <a:t> </a:t>
+            </a:r>
+            <a:r>
+              <a:rPr lang="de-DE" dirty="0">
+                <a:sym typeface="Wingdings" panose="05000000000000000000" pitchFamily="2" charset="2"/>
+              </a:rPr>
+              <a:t> </a:t>
+            </a:r>
+            <a:r>
+              <a:rPr lang="de-DE" dirty="0" err="1">
+                <a:sym typeface="Wingdings" panose="05000000000000000000" pitchFamily="2" charset="2"/>
+              </a:rPr>
+              <a:t>Cost</a:t>
+            </a:r>
+            <a:r>
+              <a:rPr lang="de-DE" dirty="0">
+                <a:sym typeface="Wingdings" panose="05000000000000000000" pitchFamily="2" charset="2"/>
+              </a:rPr>
+              <a:t> Management</a:t>
+            </a:r>
+          </a:p>
+          <a:p>
+            <a:r>
+              <a:rPr lang="de-DE" dirty="0" err="1"/>
+              <a:t>Health</a:t>
+            </a:r>
+            <a:r>
+              <a:rPr lang="de-DE" dirty="0"/>
+              <a:t>, </a:t>
+            </a:r>
+            <a:r>
+              <a:rPr lang="de-DE" dirty="0" err="1"/>
+              <a:t>Availability</a:t>
+            </a:r>
+            <a:r>
+              <a:rPr lang="de-DE" dirty="0"/>
+              <a:t> </a:t>
+            </a:r>
+            <a:r>
+              <a:rPr lang="de-DE" dirty="0">
+                <a:sym typeface="Wingdings" panose="05000000000000000000" pitchFamily="2" charset="2"/>
+              </a:rPr>
+              <a:t> Service </a:t>
+            </a:r>
+            <a:r>
+              <a:rPr lang="de-DE" dirty="0" err="1">
+                <a:sym typeface="Wingdings" panose="05000000000000000000" pitchFamily="2" charset="2"/>
+              </a:rPr>
+              <a:t>Health</a:t>
+            </a:r>
+            <a:endParaRPr lang="de-DE" dirty="0">
+              <a:sym typeface="Wingdings" panose="05000000000000000000" pitchFamily="2" charset="2"/>
+            </a:endParaRPr>
+          </a:p>
+          <a:p>
+            <a:r>
+              <a:rPr lang="de-DE" dirty="0"/>
+              <a:t>Performance </a:t>
+            </a:r>
+            <a:r>
+              <a:rPr lang="de-DE" dirty="0">
+                <a:sym typeface="Wingdings" panose="05000000000000000000" pitchFamily="2" charset="2"/>
+              </a:rPr>
+              <a:t> Log Analytics, App </a:t>
+            </a:r>
+            <a:r>
+              <a:rPr lang="de-DE" dirty="0" err="1">
+                <a:sym typeface="Wingdings" panose="05000000000000000000" pitchFamily="2" charset="2"/>
+              </a:rPr>
+              <a:t>Insights</a:t>
+            </a:r>
+            <a:endParaRPr lang="de-DE" dirty="0"/>
+          </a:p>
+          <a:p>
+            <a:r>
+              <a:rPr lang="de-DE" dirty="0"/>
+              <a:t>Compliance </a:t>
+            </a:r>
+            <a:r>
+              <a:rPr lang="de-DE" dirty="0">
+                <a:sym typeface="Wingdings" panose="05000000000000000000" pitchFamily="2" charset="2"/>
+              </a:rPr>
+              <a:t> Security Center, </a:t>
+            </a:r>
+            <a:r>
+              <a:rPr lang="de-DE" dirty="0" err="1">
+                <a:sym typeface="Wingdings" panose="05000000000000000000" pitchFamily="2" charset="2"/>
+              </a:rPr>
+              <a:t>Sentinel</a:t>
+            </a:r>
+            <a:r>
+              <a:rPr lang="de-DE" dirty="0">
+                <a:sym typeface="Wingdings" panose="05000000000000000000" pitchFamily="2" charset="2"/>
+              </a:rPr>
+              <a:t>, </a:t>
+            </a:r>
+            <a:r>
+              <a:rPr lang="de-DE" dirty="0" err="1">
+                <a:sym typeface="Wingdings" panose="05000000000000000000" pitchFamily="2" charset="2"/>
+              </a:rPr>
+              <a:t>Azure</a:t>
+            </a:r>
+            <a:r>
+              <a:rPr lang="de-DE" dirty="0">
+                <a:sym typeface="Wingdings" panose="05000000000000000000" pitchFamily="2" charset="2"/>
+              </a:rPr>
+              <a:t> </a:t>
+            </a:r>
+            <a:r>
+              <a:rPr lang="de-DE" dirty="0" err="1">
+                <a:sym typeface="Wingdings" panose="05000000000000000000" pitchFamily="2" charset="2"/>
+              </a:rPr>
+              <a:t>Policy</a:t>
+            </a:r>
+            <a:endParaRPr lang="de-DE" dirty="0"/>
+          </a:p>
+        </p:txBody>
+      </p:sp>
+      <p:pic>
+        <p:nvPicPr>
+          <p:cNvPr id="11" name="Picture 10">
+            <a:extLst>
+              <a:ext uri="{FF2B5EF4-FFF2-40B4-BE49-F238E27FC236}">
+                <a16:creationId xmlns:a16="http://schemas.microsoft.com/office/drawing/2014/main" id="{1A450B99-8244-4AF9-8CE6-7617A473C146}"/>
+              </a:ext>
+            </a:extLst>
+          </p:cNvPr>
+          <p:cNvPicPr>
+            <a:picLocks noChangeAspect="1"/>
+          </p:cNvPicPr>
+          <p:nvPr/>
+        </p:nvPicPr>
+        <p:blipFill>
+          <a:blip r:embed="rId2"/>
+          <a:stretch>
+            <a:fillRect/>
+          </a:stretch>
+        </p:blipFill>
+        <p:spPr>
+          <a:xfrm>
+            <a:off x="6099007" y="3498255"/>
+            <a:ext cx="866775" cy="714375"/>
+          </a:xfrm>
+          <a:prstGeom prst="rect">
+            <a:avLst/>
+          </a:prstGeom>
+        </p:spPr>
+      </p:pic>
+      <p:sp>
+        <p:nvSpPr>
+          <p:cNvPr id="19" name="Rectangle 18">
+            <a:extLst>
+              <a:ext uri="{FF2B5EF4-FFF2-40B4-BE49-F238E27FC236}">
+                <a16:creationId xmlns:a16="http://schemas.microsoft.com/office/drawing/2014/main" id="{06E01875-E074-432F-8012-E4A335A3EB57}"/>
+              </a:ext>
+            </a:extLst>
+          </p:cNvPr>
+          <p:cNvSpPr/>
+          <p:nvPr/>
+        </p:nvSpPr>
+        <p:spPr>
+          <a:xfrm>
+            <a:off x="3757926" y="5373216"/>
+            <a:ext cx="3207856" cy="507252"/>
+          </a:xfrm>
+          <a:prstGeom prst="rect">
+            <a:avLst/>
+          </a:prstGeom>
+          <a:solidFill>
+            <a:schemeClr val="bg1"/>
+          </a:solidFill>
+          <a:ln>
+            <a:solidFill>
+              <a:srgbClr val="C00000"/>
+            </a:solidFill>
+            <a:prstDash val="dash"/>
+          </a:ln>
+        </p:spPr>
+        <p:style>
+          <a:lnRef idx="2">
+            <a:schemeClr val="accent1">
+              <a:shade val="50000"/>
+            </a:schemeClr>
+          </a:lnRef>
+          <a:fillRef idx="1">
+            <a:schemeClr val="accent1"/>
+          </a:fillRef>
+          <a:effectRef idx="0">
+            <a:schemeClr val="accent1"/>
+          </a:effectRef>
+          <a:fontRef idx="minor">
+            <a:schemeClr val="lt1"/>
+          </a:fontRef>
+        </p:style>
+        <p:txBody>
+          <a:bodyPr rtlCol="0" anchor="t" anchorCtr="0"/>
+          <a:lstStyle/>
+          <a:p>
+            <a:pPr algn="ctr"/>
+            <a:r>
+              <a:rPr lang="de-DE" dirty="0">
+                <a:solidFill>
+                  <a:srgbClr val="C00000"/>
+                </a:solidFill>
+              </a:rPr>
+              <a:t>External</a:t>
+            </a:r>
+          </a:p>
+        </p:txBody>
+      </p:sp>
+      <p:sp>
+        <p:nvSpPr>
+          <p:cNvPr id="2" name="Arrow: Up-Down 1">
+            <a:extLst>
+              <a:ext uri="{FF2B5EF4-FFF2-40B4-BE49-F238E27FC236}">
+                <a16:creationId xmlns:a16="http://schemas.microsoft.com/office/drawing/2014/main" id="{02E63359-1EFD-45BF-B43C-BC055C7D78AA}"/>
+              </a:ext>
+            </a:extLst>
+          </p:cNvPr>
+          <p:cNvSpPr/>
+          <p:nvPr/>
+        </p:nvSpPr>
+        <p:spPr>
+          <a:xfrm>
+            <a:off x="5276547" y="4581128"/>
+            <a:ext cx="259678" cy="792088"/>
+          </a:xfrm>
+          <a:prstGeom prst="upDownArrow">
+            <a:avLst/>
+          </a:prstGeom>
+          <a:solidFill>
+            <a:srgbClr val="C00000"/>
+          </a:solidFill>
+          <a:ln>
+            <a:noFill/>
+          </a:ln>
+        </p:spPr>
+        <p:style>
+          <a:lnRef idx="2">
+            <a:schemeClr val="accent1">
+              <a:shade val="50000"/>
+            </a:schemeClr>
+          </a:lnRef>
+          <a:fillRef idx="1">
+            <a:schemeClr val="accent1"/>
+          </a:fillRef>
+          <a:effectRef idx="0">
+            <a:schemeClr val="accent1"/>
+          </a:effectRef>
+          <a:fontRef idx="minor">
+            <a:schemeClr val="lt1"/>
+          </a:fontRef>
+        </p:style>
+        <p:txBody>
+          <a:bodyPr rtlCol="0" anchor="ctr"/>
+          <a:lstStyle/>
+          <a:p>
+            <a:pPr algn="ctr"/>
+            <a:endParaRPr lang="de-DE"/>
+          </a:p>
+        </p:txBody>
+      </p:sp>
+      <p:sp>
+        <p:nvSpPr>
+          <p:cNvPr id="21" name="Speech Bubble: Rectangle with Corners Rounded 20">
+            <a:extLst>
+              <a:ext uri="{FF2B5EF4-FFF2-40B4-BE49-F238E27FC236}">
+                <a16:creationId xmlns:a16="http://schemas.microsoft.com/office/drawing/2014/main" id="{BACE0FC4-50F2-4F10-8BB7-CC6857C38EA9}"/>
+              </a:ext>
+            </a:extLst>
+          </p:cNvPr>
+          <p:cNvSpPr/>
+          <p:nvPr/>
+        </p:nvSpPr>
+        <p:spPr>
+          <a:xfrm>
+            <a:off x="6472329" y="5154438"/>
+            <a:ext cx="4608512" cy="938858"/>
+          </a:xfrm>
+          <a:prstGeom prst="wedgeRoundRectCallout">
+            <a:avLst>
+              <a:gd name="adj1" fmla="val -58143"/>
+              <a:gd name="adj2" fmla="val 5457"/>
+              <a:gd name="adj3" fmla="val 16667"/>
+            </a:avLst>
+          </a:prstGeom>
+          <a:solidFill>
+            <a:srgbClr val="C00000"/>
+          </a:solidFill>
+          <a:ln>
+            <a:noFill/>
+          </a:ln>
+        </p:spPr>
+        <p:style>
+          <a:lnRef idx="2">
+            <a:schemeClr val="accent1">
+              <a:shade val="50000"/>
+            </a:schemeClr>
+          </a:lnRef>
+          <a:fillRef idx="1">
+            <a:schemeClr val="accent1"/>
+          </a:fillRef>
+          <a:effectRef idx="0">
+            <a:schemeClr val="accent1"/>
+          </a:effectRef>
+          <a:fontRef idx="minor">
+            <a:schemeClr val="lt1"/>
+          </a:fontRef>
+        </p:style>
+        <p:txBody>
+          <a:bodyPr rtlCol="0" anchor="ctr"/>
+          <a:lstStyle/>
+          <a:p>
+            <a:r>
+              <a:rPr lang="de-DE" b="1" dirty="0" err="1"/>
+              <a:t>To</a:t>
+            </a:r>
+            <a:r>
+              <a:rPr lang="de-DE" b="1" dirty="0"/>
+              <a:t> external </a:t>
+            </a:r>
+            <a:r>
+              <a:rPr lang="de-DE" b="1" dirty="0">
+                <a:sym typeface="Wingdings" panose="05000000000000000000" pitchFamily="2" charset="2"/>
+              </a:rPr>
+              <a:t> </a:t>
+            </a:r>
+            <a:r>
+              <a:rPr lang="de-DE" dirty="0" err="1"/>
+              <a:t>Archiving</a:t>
+            </a:r>
+            <a:r>
+              <a:rPr lang="de-DE" dirty="0"/>
+              <a:t> (Storage, </a:t>
+            </a:r>
+            <a:r>
+              <a:rPr lang="de-DE" dirty="0" err="1"/>
+              <a:t>Logic</a:t>
+            </a:r>
+            <a:r>
+              <a:rPr lang="de-DE" dirty="0"/>
+              <a:t> Apps)</a:t>
+            </a:r>
+          </a:p>
+          <a:p>
+            <a:r>
+              <a:rPr lang="de-DE" b="1" dirty="0" err="1"/>
+              <a:t>From</a:t>
+            </a:r>
+            <a:r>
+              <a:rPr lang="de-DE" b="1" dirty="0"/>
+              <a:t> external</a:t>
+            </a:r>
+            <a:r>
+              <a:rPr lang="de-DE" dirty="0"/>
+              <a:t> </a:t>
+            </a:r>
+            <a:r>
+              <a:rPr lang="de-DE" dirty="0">
+                <a:sym typeface="Wingdings" panose="05000000000000000000" pitchFamily="2" charset="2"/>
+              </a:rPr>
+              <a:t></a:t>
+            </a:r>
+            <a:r>
+              <a:rPr lang="de-DE" dirty="0"/>
+              <a:t> App </a:t>
+            </a:r>
+            <a:r>
+              <a:rPr lang="de-DE" dirty="0" err="1"/>
+              <a:t>Insights</a:t>
+            </a:r>
+            <a:r>
+              <a:rPr lang="de-DE" dirty="0"/>
+              <a:t>/ Log Analytics APIs </a:t>
+            </a:r>
+          </a:p>
+        </p:txBody>
+      </p:sp>
     </p:spTree>
     <p:extLst>
       <p:ext uri="{BB962C8B-B14F-4D97-AF65-F5344CB8AC3E}">
-        <p14:creationId xmlns:p14="http://schemas.microsoft.com/office/powerpoint/2010/main" val="33153437"/>
+        <p14:creationId xmlns:p14="http://schemas.microsoft.com/office/powerpoint/2010/main" val="2569148696"/>
       </p:ext>
     </p:extLst>
   </p:cSld>
@@ -6909,6 +7613,1137 @@
     <p:extLst>
       <p:ext uri="{BB962C8B-B14F-4D97-AF65-F5344CB8AC3E}">
         <p14:creationId xmlns:p14="http://schemas.microsoft.com/office/powerpoint/2010/main" val="2284167342"/>
+      </p:ext>
+    </p:extLst>
+  </p:cSld>
+  <p:clrMapOvr>
+    <a:masterClrMapping/>
+  </p:clrMapOvr>
+</p:sld>
+</file>
+
+<file path=ppt/slides/slide4.xml><?xml version="1.0" encoding="utf-8"?>
+<p:sld xmlns:a="http://schemas.openxmlformats.org/drawingml/2006/main" xmlns:r="http://schemas.openxmlformats.org/officeDocument/2006/relationships" xmlns:p="http://schemas.openxmlformats.org/presentationml/2006/main">
+  <p:cSld>
+    <p:spTree>
+      <p:nvGrpSpPr>
+        <p:cNvPr id="1" name=""/>
+        <p:cNvGrpSpPr/>
+        <p:nvPr/>
+      </p:nvGrpSpPr>
+      <p:grpSpPr>
+        <a:xfrm>
+          <a:off x="0" y="0"/>
+          <a:ext cx="0" cy="0"/>
+          <a:chOff x="0" y="0"/>
+          <a:chExt cx="0" cy="0"/>
+        </a:xfrm>
+      </p:grpSpPr>
+      <p:pic>
+        <p:nvPicPr>
+          <p:cNvPr id="13" name="Picture 12">
+            <a:extLst>
+              <a:ext uri="{FF2B5EF4-FFF2-40B4-BE49-F238E27FC236}">
+                <a16:creationId xmlns:a16="http://schemas.microsoft.com/office/drawing/2014/main" id="{378514CE-5C4F-4CF7-890D-0AEB0F5ED83C}"/>
+              </a:ext>
+            </a:extLst>
+          </p:cNvPr>
+          <p:cNvPicPr>
+            <a:picLocks noChangeAspect="1"/>
+          </p:cNvPicPr>
+          <p:nvPr/>
+        </p:nvPicPr>
+        <p:blipFill>
+          <a:blip r:embed="rId2"/>
+          <a:stretch>
+            <a:fillRect/>
+          </a:stretch>
+        </p:blipFill>
+        <p:spPr>
+          <a:xfrm>
+            <a:off x="7968208" y="2276872"/>
+            <a:ext cx="460899" cy="405591"/>
+          </a:xfrm>
+          <a:prstGeom prst="rect">
+            <a:avLst/>
+          </a:prstGeom>
+        </p:spPr>
+      </p:pic>
+      <p:sp>
+        <p:nvSpPr>
+          <p:cNvPr id="64" name="Rectangle 63">
+            <a:extLst>
+              <a:ext uri="{FF2B5EF4-FFF2-40B4-BE49-F238E27FC236}">
+                <a16:creationId xmlns:a16="http://schemas.microsoft.com/office/drawing/2014/main" id="{8117501C-1796-4582-B078-400888577876}"/>
+              </a:ext>
+            </a:extLst>
+          </p:cNvPr>
+          <p:cNvSpPr/>
+          <p:nvPr/>
+        </p:nvSpPr>
+        <p:spPr>
+          <a:xfrm>
+            <a:off x="1199455" y="1772816"/>
+            <a:ext cx="7920881" cy="3888432"/>
+          </a:xfrm>
+          <a:prstGeom prst="rect">
+            <a:avLst/>
+          </a:prstGeom>
+          <a:noFill/>
+          <a:ln>
+            <a:solidFill>
+              <a:schemeClr val="accent6">
+                <a:lumMod val="50000"/>
+              </a:schemeClr>
+            </a:solidFill>
+            <a:prstDash val="dash"/>
+          </a:ln>
+        </p:spPr>
+        <p:style>
+          <a:lnRef idx="2">
+            <a:schemeClr val="accent1">
+              <a:shade val="50000"/>
+            </a:schemeClr>
+          </a:lnRef>
+          <a:fillRef idx="1">
+            <a:schemeClr val="accent1"/>
+          </a:fillRef>
+          <a:effectRef idx="0">
+            <a:schemeClr val="accent1"/>
+          </a:effectRef>
+          <a:fontRef idx="minor">
+            <a:schemeClr val="lt1"/>
+          </a:fontRef>
+        </p:style>
+        <p:txBody>
+          <a:bodyPr rtlCol="0" anchor="t" anchorCtr="0"/>
+          <a:lstStyle/>
+          <a:p>
+            <a:r>
+              <a:rPr lang="de-DE" dirty="0">
+                <a:solidFill>
+                  <a:schemeClr val="tx1"/>
+                </a:solidFill>
+              </a:rPr>
+              <a:t>Infra Monitoring</a:t>
+            </a:r>
+          </a:p>
+        </p:txBody>
+      </p:sp>
+      <p:sp>
+        <p:nvSpPr>
+          <p:cNvPr id="65" name="Rectangle 64">
+            <a:extLst>
+              <a:ext uri="{FF2B5EF4-FFF2-40B4-BE49-F238E27FC236}">
+                <a16:creationId xmlns:a16="http://schemas.microsoft.com/office/drawing/2014/main" id="{E0FE9441-408C-49B1-BEA0-30A825A36CBE}"/>
+              </a:ext>
+            </a:extLst>
+          </p:cNvPr>
+          <p:cNvSpPr/>
+          <p:nvPr/>
+        </p:nvSpPr>
+        <p:spPr>
+          <a:xfrm>
+            <a:off x="4666916" y="2780928"/>
+            <a:ext cx="1368152" cy="1457986"/>
+          </a:xfrm>
+          <a:prstGeom prst="rect">
+            <a:avLst/>
+          </a:prstGeom>
+          <a:solidFill>
+            <a:schemeClr val="accent2">
+              <a:lumMod val="20000"/>
+              <a:lumOff val="80000"/>
+            </a:schemeClr>
+          </a:solidFill>
+          <a:ln>
+            <a:solidFill>
+              <a:srgbClr val="C00000"/>
+            </a:solidFill>
+            <a:prstDash val="solid"/>
+          </a:ln>
+        </p:spPr>
+        <p:style>
+          <a:lnRef idx="2">
+            <a:schemeClr val="accent1">
+              <a:shade val="50000"/>
+            </a:schemeClr>
+          </a:lnRef>
+          <a:fillRef idx="1">
+            <a:schemeClr val="accent1"/>
+          </a:fillRef>
+          <a:effectRef idx="0">
+            <a:schemeClr val="accent1"/>
+          </a:effectRef>
+          <a:fontRef idx="minor">
+            <a:schemeClr val="lt1"/>
+          </a:fontRef>
+        </p:style>
+        <p:txBody>
+          <a:bodyPr rtlCol="0" anchor="t" anchorCtr="0"/>
+          <a:lstStyle/>
+          <a:p>
+            <a:pPr algn="ctr"/>
+            <a:r>
+              <a:rPr lang="de-DE" dirty="0">
+                <a:solidFill>
+                  <a:srgbClr val="C00000"/>
+                </a:solidFill>
+              </a:rPr>
+              <a:t>Infra</a:t>
+            </a:r>
+          </a:p>
+          <a:p>
+            <a:pPr algn="ctr"/>
+            <a:r>
+              <a:rPr lang="de-DE" dirty="0" err="1">
+                <a:solidFill>
+                  <a:srgbClr val="C00000"/>
+                </a:solidFill>
+              </a:rPr>
+              <a:t>Telemetry</a:t>
+            </a:r>
+            <a:endParaRPr lang="de-DE" dirty="0">
+              <a:solidFill>
+                <a:srgbClr val="C00000"/>
+              </a:solidFill>
+            </a:endParaRPr>
+          </a:p>
+        </p:txBody>
+      </p:sp>
+      <p:sp>
+        <p:nvSpPr>
+          <p:cNvPr id="57" name="Rectangle 56">
+            <a:extLst>
+              <a:ext uri="{FF2B5EF4-FFF2-40B4-BE49-F238E27FC236}">
+                <a16:creationId xmlns:a16="http://schemas.microsoft.com/office/drawing/2014/main" id="{23E93547-9461-4B5D-B4E8-46D76EB19F77}"/>
+              </a:ext>
+            </a:extLst>
+          </p:cNvPr>
+          <p:cNvSpPr/>
+          <p:nvPr/>
+        </p:nvSpPr>
+        <p:spPr>
+          <a:xfrm>
+            <a:off x="1415480" y="2276872"/>
+            <a:ext cx="1759721" cy="2088233"/>
+          </a:xfrm>
+          <a:prstGeom prst="rect">
+            <a:avLst/>
+          </a:prstGeom>
+          <a:solidFill>
+            <a:schemeClr val="bg1"/>
+          </a:solidFill>
+          <a:ln>
+            <a:solidFill>
+              <a:schemeClr val="accent1"/>
+            </a:solidFill>
+            <a:prstDash val="dash"/>
+          </a:ln>
+        </p:spPr>
+        <p:style>
+          <a:lnRef idx="2">
+            <a:schemeClr val="accent1">
+              <a:shade val="50000"/>
+            </a:schemeClr>
+          </a:lnRef>
+          <a:fillRef idx="1">
+            <a:schemeClr val="accent1"/>
+          </a:fillRef>
+          <a:effectRef idx="0">
+            <a:schemeClr val="accent1"/>
+          </a:effectRef>
+          <a:fontRef idx="minor">
+            <a:schemeClr val="lt1"/>
+          </a:fontRef>
+        </p:style>
+        <p:txBody>
+          <a:bodyPr rtlCol="0" anchor="t" anchorCtr="0"/>
+          <a:lstStyle/>
+          <a:p>
+            <a:pPr algn="ctr"/>
+            <a:r>
+              <a:rPr lang="de-DE" dirty="0" err="1">
+                <a:solidFill>
+                  <a:schemeClr val="accent1"/>
+                </a:solidFill>
+              </a:rPr>
+              <a:t>Monitored</a:t>
+            </a:r>
+            <a:r>
+              <a:rPr lang="de-DE" dirty="0">
+                <a:solidFill>
+                  <a:schemeClr val="accent1"/>
+                </a:solidFill>
+              </a:rPr>
+              <a:t> Resources</a:t>
+            </a:r>
+          </a:p>
+        </p:txBody>
+      </p:sp>
+      <p:sp>
+        <p:nvSpPr>
+          <p:cNvPr id="61" name="Rectangle 60">
+            <a:extLst>
+              <a:ext uri="{FF2B5EF4-FFF2-40B4-BE49-F238E27FC236}">
+                <a16:creationId xmlns:a16="http://schemas.microsoft.com/office/drawing/2014/main" id="{C7A97AA9-DF2C-4940-AB1E-8436B2914446}"/>
+              </a:ext>
+            </a:extLst>
+          </p:cNvPr>
+          <p:cNvSpPr/>
+          <p:nvPr/>
+        </p:nvSpPr>
+        <p:spPr>
+          <a:xfrm>
+            <a:off x="1551113" y="3049989"/>
+            <a:ext cx="1368152" cy="606245"/>
+          </a:xfrm>
+          <a:prstGeom prst="rect">
+            <a:avLst/>
+          </a:prstGeom>
+          <a:solidFill>
+            <a:schemeClr val="accent1">
+              <a:lumMod val="20000"/>
+              <a:lumOff val="80000"/>
+            </a:schemeClr>
+          </a:solidFill>
+          <a:ln>
+            <a:prstDash val="solid"/>
+          </a:ln>
+        </p:spPr>
+        <p:style>
+          <a:lnRef idx="2">
+            <a:schemeClr val="accent1">
+              <a:shade val="50000"/>
+            </a:schemeClr>
+          </a:lnRef>
+          <a:fillRef idx="1">
+            <a:schemeClr val="accent1"/>
+          </a:fillRef>
+          <a:effectRef idx="0">
+            <a:schemeClr val="accent1"/>
+          </a:effectRef>
+          <a:fontRef idx="minor">
+            <a:schemeClr val="lt1"/>
+          </a:fontRef>
+        </p:style>
+        <p:txBody>
+          <a:bodyPr rtlCol="0" anchor="t" anchorCtr="0"/>
+          <a:lstStyle/>
+          <a:p>
+            <a:pPr algn="ctr"/>
+            <a:r>
+              <a:rPr lang="de-DE" dirty="0">
+                <a:solidFill>
+                  <a:schemeClr val="accent1"/>
+                </a:solidFill>
+              </a:rPr>
+              <a:t>App</a:t>
+            </a:r>
+          </a:p>
+        </p:txBody>
+      </p:sp>
+      <p:sp>
+        <p:nvSpPr>
+          <p:cNvPr id="62" name="Rectangle 61">
+            <a:extLst>
+              <a:ext uri="{FF2B5EF4-FFF2-40B4-BE49-F238E27FC236}">
+                <a16:creationId xmlns:a16="http://schemas.microsoft.com/office/drawing/2014/main" id="{9CABC117-FD5B-4BF5-BD51-B9CD2BC76375}"/>
+              </a:ext>
+            </a:extLst>
+          </p:cNvPr>
+          <p:cNvSpPr/>
+          <p:nvPr/>
+        </p:nvSpPr>
+        <p:spPr>
+          <a:xfrm>
+            <a:off x="1551113" y="3642433"/>
+            <a:ext cx="1368152" cy="578656"/>
+          </a:xfrm>
+          <a:prstGeom prst="rect">
+            <a:avLst/>
+          </a:prstGeom>
+          <a:solidFill>
+            <a:schemeClr val="accent1">
+              <a:lumMod val="20000"/>
+              <a:lumOff val="80000"/>
+            </a:schemeClr>
+          </a:solidFill>
+          <a:ln>
+            <a:prstDash val="solid"/>
+          </a:ln>
+        </p:spPr>
+        <p:style>
+          <a:lnRef idx="2">
+            <a:schemeClr val="accent1">
+              <a:shade val="50000"/>
+            </a:schemeClr>
+          </a:lnRef>
+          <a:fillRef idx="1">
+            <a:schemeClr val="accent1"/>
+          </a:fillRef>
+          <a:effectRef idx="0">
+            <a:schemeClr val="accent1"/>
+          </a:effectRef>
+          <a:fontRef idx="minor">
+            <a:schemeClr val="lt1"/>
+          </a:fontRef>
+        </p:style>
+        <p:txBody>
+          <a:bodyPr rtlCol="0" anchor="t" anchorCtr="0"/>
+          <a:lstStyle/>
+          <a:p>
+            <a:pPr algn="ctr"/>
+            <a:r>
+              <a:rPr lang="de-DE" dirty="0">
+                <a:solidFill>
+                  <a:schemeClr val="accent1"/>
+                </a:solidFill>
+              </a:rPr>
+              <a:t>Infra</a:t>
+            </a:r>
+          </a:p>
+        </p:txBody>
+      </p:sp>
+      <p:sp>
+        <p:nvSpPr>
+          <p:cNvPr id="75" name="Rectangle 74">
+            <a:extLst>
+              <a:ext uri="{FF2B5EF4-FFF2-40B4-BE49-F238E27FC236}">
+                <a16:creationId xmlns:a16="http://schemas.microsoft.com/office/drawing/2014/main" id="{15FA06A8-0258-447C-B52A-CB5A78CB4FAA}"/>
+              </a:ext>
+            </a:extLst>
+          </p:cNvPr>
+          <p:cNvSpPr/>
+          <p:nvPr/>
+        </p:nvSpPr>
+        <p:spPr>
+          <a:xfrm rot="16200000">
+            <a:off x="5592517" y="3212403"/>
+            <a:ext cx="1457985" cy="595036"/>
+          </a:xfrm>
+          <a:prstGeom prst="rect">
+            <a:avLst/>
+          </a:prstGeom>
+          <a:solidFill>
+            <a:schemeClr val="accent2">
+              <a:lumMod val="20000"/>
+              <a:lumOff val="80000"/>
+            </a:schemeClr>
+          </a:solidFill>
+          <a:ln>
+            <a:solidFill>
+              <a:srgbClr val="C00000"/>
+            </a:solidFill>
+            <a:prstDash val="solid"/>
+          </a:ln>
+        </p:spPr>
+        <p:style>
+          <a:lnRef idx="2">
+            <a:schemeClr val="accent1">
+              <a:shade val="50000"/>
+            </a:schemeClr>
+          </a:lnRef>
+          <a:fillRef idx="1">
+            <a:schemeClr val="accent1"/>
+          </a:fillRef>
+          <a:effectRef idx="0">
+            <a:schemeClr val="accent1"/>
+          </a:effectRef>
+          <a:fontRef idx="minor">
+            <a:schemeClr val="lt1"/>
+          </a:fontRef>
+        </p:style>
+        <p:txBody>
+          <a:bodyPr rtlCol="0" anchor="t" anchorCtr="0"/>
+          <a:lstStyle/>
+          <a:p>
+            <a:pPr algn="ctr"/>
+            <a:r>
+              <a:rPr lang="de-DE" dirty="0" err="1">
+                <a:solidFill>
+                  <a:srgbClr val="C00000"/>
+                </a:solidFill>
+              </a:rPr>
+              <a:t>Performanve</a:t>
+            </a:r>
+            <a:r>
+              <a:rPr lang="de-DE" dirty="0">
+                <a:solidFill>
+                  <a:srgbClr val="C00000"/>
+                </a:solidFill>
+              </a:rPr>
+              <a:t> </a:t>
+            </a:r>
+            <a:r>
+              <a:rPr lang="de-DE" dirty="0" err="1">
+                <a:solidFill>
+                  <a:srgbClr val="C00000"/>
+                </a:solidFill>
+              </a:rPr>
+              <a:t>Perspective</a:t>
+            </a:r>
+            <a:endParaRPr lang="de-DE" dirty="0">
+              <a:solidFill>
+                <a:srgbClr val="C00000"/>
+              </a:solidFill>
+            </a:endParaRPr>
+          </a:p>
+        </p:txBody>
+      </p:sp>
+      <p:pic>
+        <p:nvPicPr>
+          <p:cNvPr id="11" name="Picture 10">
+            <a:extLst>
+              <a:ext uri="{FF2B5EF4-FFF2-40B4-BE49-F238E27FC236}">
+                <a16:creationId xmlns:a16="http://schemas.microsoft.com/office/drawing/2014/main" id="{1A450B99-8244-4AF9-8CE6-7617A473C146}"/>
+              </a:ext>
+            </a:extLst>
+          </p:cNvPr>
+          <p:cNvPicPr>
+            <a:picLocks noChangeAspect="1"/>
+          </p:cNvPicPr>
+          <p:nvPr/>
+        </p:nvPicPr>
+        <p:blipFill>
+          <a:blip r:embed="rId3"/>
+          <a:stretch>
+            <a:fillRect/>
+          </a:stretch>
+        </p:blipFill>
+        <p:spPr>
+          <a:xfrm>
+            <a:off x="6817600" y="3071812"/>
+            <a:ext cx="866775" cy="714375"/>
+          </a:xfrm>
+          <a:prstGeom prst="rect">
+            <a:avLst/>
+          </a:prstGeom>
+        </p:spPr>
+      </p:pic>
+      <p:sp>
+        <p:nvSpPr>
+          <p:cNvPr id="39" name="Rectangle 38">
+            <a:extLst>
+              <a:ext uri="{FF2B5EF4-FFF2-40B4-BE49-F238E27FC236}">
+                <a16:creationId xmlns:a16="http://schemas.microsoft.com/office/drawing/2014/main" id="{D3217451-D6B3-4FB6-8528-52968EBD91C7}"/>
+              </a:ext>
+            </a:extLst>
+          </p:cNvPr>
+          <p:cNvSpPr/>
+          <p:nvPr/>
+        </p:nvSpPr>
+        <p:spPr>
+          <a:xfrm>
+            <a:off x="4295800" y="4937972"/>
+            <a:ext cx="2448273" cy="507252"/>
+          </a:xfrm>
+          <a:prstGeom prst="rect">
+            <a:avLst/>
+          </a:prstGeom>
+          <a:solidFill>
+            <a:schemeClr val="bg1"/>
+          </a:solidFill>
+          <a:ln>
+            <a:solidFill>
+              <a:srgbClr val="C00000"/>
+            </a:solidFill>
+            <a:prstDash val="dash"/>
+          </a:ln>
+        </p:spPr>
+        <p:style>
+          <a:lnRef idx="2">
+            <a:schemeClr val="accent1">
+              <a:shade val="50000"/>
+            </a:schemeClr>
+          </a:lnRef>
+          <a:fillRef idx="1">
+            <a:schemeClr val="accent1"/>
+          </a:fillRef>
+          <a:effectRef idx="0">
+            <a:schemeClr val="accent1"/>
+          </a:effectRef>
+          <a:fontRef idx="minor">
+            <a:schemeClr val="lt1"/>
+          </a:fontRef>
+        </p:style>
+        <p:txBody>
+          <a:bodyPr rtlCol="0" anchor="t" anchorCtr="0"/>
+          <a:lstStyle/>
+          <a:p>
+            <a:pPr algn="ctr"/>
+            <a:r>
+              <a:rPr lang="de-DE" dirty="0">
+                <a:solidFill>
+                  <a:srgbClr val="C00000"/>
+                </a:solidFill>
+              </a:rPr>
+              <a:t>Archive</a:t>
+            </a:r>
+          </a:p>
+        </p:txBody>
+      </p:sp>
+      <p:sp>
+        <p:nvSpPr>
+          <p:cNvPr id="2" name="Arrow: Up-Down 1">
+            <a:extLst>
+              <a:ext uri="{FF2B5EF4-FFF2-40B4-BE49-F238E27FC236}">
+                <a16:creationId xmlns:a16="http://schemas.microsoft.com/office/drawing/2014/main" id="{2CD814C9-9BA4-4068-A96C-742D057B9B86}"/>
+              </a:ext>
+            </a:extLst>
+          </p:cNvPr>
+          <p:cNvSpPr/>
+          <p:nvPr/>
+        </p:nvSpPr>
+        <p:spPr>
+          <a:xfrm>
+            <a:off x="5447928" y="4365105"/>
+            <a:ext cx="288032" cy="572867"/>
+          </a:xfrm>
+          <a:prstGeom prst="upDownArrow">
+            <a:avLst/>
+          </a:prstGeom>
+          <a:solidFill>
+            <a:srgbClr val="C00000"/>
+          </a:solidFill>
+          <a:ln>
+            <a:solidFill>
+              <a:srgbClr val="C00000"/>
+            </a:solidFill>
+          </a:ln>
+        </p:spPr>
+        <p:style>
+          <a:lnRef idx="2">
+            <a:schemeClr val="accent1">
+              <a:shade val="50000"/>
+            </a:schemeClr>
+          </a:lnRef>
+          <a:fillRef idx="1">
+            <a:schemeClr val="accent1"/>
+          </a:fillRef>
+          <a:effectRef idx="0">
+            <a:schemeClr val="accent1"/>
+          </a:effectRef>
+          <a:fontRef idx="minor">
+            <a:schemeClr val="lt1"/>
+          </a:fontRef>
+        </p:style>
+        <p:txBody>
+          <a:bodyPr rtlCol="0" anchor="ctr"/>
+          <a:lstStyle/>
+          <a:p>
+            <a:pPr algn="ctr"/>
+            <a:endParaRPr lang="de-DE">
+              <a:solidFill>
+                <a:schemeClr val="tx1"/>
+              </a:solidFill>
+            </a:endParaRPr>
+          </a:p>
+        </p:txBody>
+      </p:sp>
+      <p:pic>
+        <p:nvPicPr>
+          <p:cNvPr id="43" name="Picture 42">
+            <a:extLst>
+              <a:ext uri="{FF2B5EF4-FFF2-40B4-BE49-F238E27FC236}">
+                <a16:creationId xmlns:a16="http://schemas.microsoft.com/office/drawing/2014/main" id="{07738DD7-7E35-40F6-BFC0-110B3CBB45DC}"/>
+              </a:ext>
+            </a:extLst>
+          </p:cNvPr>
+          <p:cNvPicPr>
+            <a:picLocks noChangeAspect="1"/>
+          </p:cNvPicPr>
+          <p:nvPr/>
+        </p:nvPicPr>
+        <p:blipFill>
+          <a:blip r:embed="rId4"/>
+          <a:stretch>
+            <a:fillRect/>
+          </a:stretch>
+        </p:blipFill>
+        <p:spPr>
+          <a:xfrm>
+            <a:off x="1343472" y="5085184"/>
+            <a:ext cx="438057" cy="417197"/>
+          </a:xfrm>
+          <a:prstGeom prst="rect">
+            <a:avLst/>
+          </a:prstGeom>
+          <a:ln>
+            <a:noFill/>
+          </a:ln>
+        </p:spPr>
+      </p:pic>
+      <p:pic>
+        <p:nvPicPr>
+          <p:cNvPr id="60" name="Picture 59">
+            <a:extLst>
+              <a:ext uri="{FF2B5EF4-FFF2-40B4-BE49-F238E27FC236}">
+                <a16:creationId xmlns:a16="http://schemas.microsoft.com/office/drawing/2014/main" id="{AA4E3B65-6454-4AA5-8A5A-27DAA7F28D77}"/>
+              </a:ext>
+            </a:extLst>
+          </p:cNvPr>
+          <p:cNvPicPr/>
+          <p:nvPr/>
+        </p:nvPicPr>
+        <p:blipFill>
+          <a:blip r:embed="rId5">
+            <a:extLst>
+              <a:ext uri="{28A0092B-C50C-407E-A947-70E740481C1C}">
+                <a14:useLocalDpi xmlns:a14="http://schemas.microsoft.com/office/drawing/2010/main" val="0"/>
+              </a:ext>
+            </a:extLst>
+          </a:blip>
+          <a:srcRect/>
+          <a:stretch>
+            <a:fillRect/>
+          </a:stretch>
+        </p:blipFill>
+        <p:spPr bwMode="auto">
+          <a:xfrm>
+            <a:off x="6600056" y="2297892"/>
+            <a:ext cx="400050" cy="431800"/>
+          </a:xfrm>
+          <a:prstGeom prst="rect">
+            <a:avLst/>
+          </a:prstGeom>
+          <a:noFill/>
+          <a:ln>
+            <a:noFill/>
+          </a:ln>
+        </p:spPr>
+      </p:pic>
+      <p:pic>
+        <p:nvPicPr>
+          <p:cNvPr id="63" name="Picture 62">
+            <a:extLst>
+              <a:ext uri="{FF2B5EF4-FFF2-40B4-BE49-F238E27FC236}">
+                <a16:creationId xmlns:a16="http://schemas.microsoft.com/office/drawing/2014/main" id="{C7C440D8-D3A6-4BD2-A45C-19FBF2876DCE}"/>
+              </a:ext>
+            </a:extLst>
+          </p:cNvPr>
+          <p:cNvPicPr>
+            <a:picLocks noChangeAspect="1"/>
+          </p:cNvPicPr>
+          <p:nvPr/>
+        </p:nvPicPr>
+        <p:blipFill>
+          <a:blip r:embed="rId6"/>
+          <a:stretch>
+            <a:fillRect/>
+          </a:stretch>
+        </p:blipFill>
+        <p:spPr>
+          <a:xfrm>
+            <a:off x="5807968" y="4427304"/>
+            <a:ext cx="551515" cy="492844"/>
+          </a:xfrm>
+          <a:prstGeom prst="rect">
+            <a:avLst/>
+          </a:prstGeom>
+        </p:spPr>
+      </p:pic>
+      <p:pic>
+        <p:nvPicPr>
+          <p:cNvPr id="66" name="Picture 65">
+            <a:extLst>
+              <a:ext uri="{FF2B5EF4-FFF2-40B4-BE49-F238E27FC236}">
+                <a16:creationId xmlns:a16="http://schemas.microsoft.com/office/drawing/2014/main" id="{064820AA-E624-4E4A-91D9-395B453D1431}"/>
+              </a:ext>
+            </a:extLst>
+          </p:cNvPr>
+          <p:cNvPicPr>
+            <a:picLocks noChangeAspect="1"/>
+          </p:cNvPicPr>
+          <p:nvPr/>
+        </p:nvPicPr>
+        <p:blipFill>
+          <a:blip r:embed="rId7"/>
+          <a:stretch>
+            <a:fillRect/>
+          </a:stretch>
+        </p:blipFill>
+        <p:spPr>
+          <a:xfrm>
+            <a:off x="7032104" y="2297892"/>
+            <a:ext cx="485775" cy="414338"/>
+          </a:xfrm>
+          <a:prstGeom prst="rect">
+            <a:avLst/>
+          </a:prstGeom>
+        </p:spPr>
+      </p:pic>
+      <p:pic>
+        <p:nvPicPr>
+          <p:cNvPr id="4" name="Picture 3">
+            <a:extLst>
+              <a:ext uri="{FF2B5EF4-FFF2-40B4-BE49-F238E27FC236}">
+                <a16:creationId xmlns:a16="http://schemas.microsoft.com/office/drawing/2014/main" id="{148C1689-EDCE-4089-80AE-5457BFA5D40E}"/>
+              </a:ext>
+            </a:extLst>
+          </p:cNvPr>
+          <p:cNvPicPr>
+            <a:picLocks noChangeAspect="1"/>
+          </p:cNvPicPr>
+          <p:nvPr/>
+        </p:nvPicPr>
+        <p:blipFill>
+          <a:blip r:embed="rId8"/>
+          <a:stretch>
+            <a:fillRect/>
+          </a:stretch>
+        </p:blipFill>
+        <p:spPr>
+          <a:xfrm>
+            <a:off x="6152169" y="2334028"/>
+            <a:ext cx="362866" cy="342065"/>
+          </a:xfrm>
+          <a:prstGeom prst="rect">
+            <a:avLst/>
+          </a:prstGeom>
+        </p:spPr>
+      </p:pic>
+      <p:pic>
+        <p:nvPicPr>
+          <p:cNvPr id="68" name="Picture 67">
+            <a:extLst>
+              <a:ext uri="{FF2B5EF4-FFF2-40B4-BE49-F238E27FC236}">
+                <a16:creationId xmlns:a16="http://schemas.microsoft.com/office/drawing/2014/main" id="{713AE0A6-999E-4B7E-83FC-E1F6A16B23FD}"/>
+              </a:ext>
+            </a:extLst>
+          </p:cNvPr>
+          <p:cNvPicPr>
+            <a:picLocks noChangeAspect="1"/>
+          </p:cNvPicPr>
+          <p:nvPr/>
+        </p:nvPicPr>
+        <p:blipFill>
+          <a:blip r:embed="rId9"/>
+          <a:stretch>
+            <a:fillRect/>
+          </a:stretch>
+        </p:blipFill>
+        <p:spPr>
+          <a:xfrm>
+            <a:off x="6320019" y="5000558"/>
+            <a:ext cx="386636" cy="369452"/>
+          </a:xfrm>
+          <a:prstGeom prst="rect">
+            <a:avLst/>
+          </a:prstGeom>
+        </p:spPr>
+      </p:pic>
+      <p:pic>
+        <p:nvPicPr>
+          <p:cNvPr id="9" name="Picture 8">
+            <a:extLst>
+              <a:ext uri="{FF2B5EF4-FFF2-40B4-BE49-F238E27FC236}">
+                <a16:creationId xmlns:a16="http://schemas.microsoft.com/office/drawing/2014/main" id="{977FD49A-C834-4007-909B-6BAB0F1BC6E3}"/>
+              </a:ext>
+            </a:extLst>
+          </p:cNvPr>
+          <p:cNvPicPr>
+            <a:picLocks noChangeAspect="1"/>
+          </p:cNvPicPr>
+          <p:nvPr/>
+        </p:nvPicPr>
+        <p:blipFill>
+          <a:blip r:embed="rId10"/>
+          <a:stretch>
+            <a:fillRect/>
+          </a:stretch>
+        </p:blipFill>
+        <p:spPr>
+          <a:xfrm>
+            <a:off x="7556922" y="2307945"/>
+            <a:ext cx="390525" cy="371475"/>
+          </a:xfrm>
+          <a:prstGeom prst="rect">
+            <a:avLst/>
+          </a:prstGeom>
+        </p:spPr>
+      </p:pic>
+      <p:sp>
+        <p:nvSpPr>
+          <p:cNvPr id="59" name="Rectangle 58">
+            <a:extLst>
+              <a:ext uri="{FF2B5EF4-FFF2-40B4-BE49-F238E27FC236}">
+                <a16:creationId xmlns:a16="http://schemas.microsoft.com/office/drawing/2014/main" id="{0D672FE7-8349-439B-8203-D5C5A3BC2D77}"/>
+              </a:ext>
+            </a:extLst>
+          </p:cNvPr>
+          <p:cNvSpPr/>
+          <p:nvPr/>
+        </p:nvSpPr>
+        <p:spPr>
+          <a:xfrm>
+            <a:off x="4295799" y="2276873"/>
+            <a:ext cx="4608513" cy="2088233"/>
+          </a:xfrm>
+          <a:prstGeom prst="rect">
+            <a:avLst/>
+          </a:prstGeom>
+          <a:noFill/>
+          <a:ln>
+            <a:solidFill>
+              <a:srgbClr val="C00000"/>
+            </a:solidFill>
+            <a:prstDash val="dash"/>
+          </a:ln>
+        </p:spPr>
+        <p:style>
+          <a:lnRef idx="2">
+            <a:schemeClr val="accent1">
+              <a:shade val="50000"/>
+            </a:schemeClr>
+          </a:lnRef>
+          <a:fillRef idx="1">
+            <a:schemeClr val="accent1"/>
+          </a:fillRef>
+          <a:effectRef idx="0">
+            <a:schemeClr val="accent1"/>
+          </a:effectRef>
+          <a:fontRef idx="minor">
+            <a:schemeClr val="lt1"/>
+          </a:fontRef>
+        </p:style>
+        <p:txBody>
+          <a:bodyPr rtlCol="0" anchor="t" anchorCtr="0"/>
+          <a:lstStyle/>
+          <a:p>
+            <a:r>
+              <a:rPr lang="de-DE" dirty="0">
+                <a:solidFill>
+                  <a:srgbClr val="C00000"/>
+                </a:solidFill>
+              </a:rPr>
+              <a:t>Monitoring Plane</a:t>
+            </a:r>
+          </a:p>
+        </p:txBody>
+      </p:sp>
+      <p:grpSp>
+        <p:nvGrpSpPr>
+          <p:cNvPr id="7" name="Group 6">
+            <a:extLst>
+              <a:ext uri="{FF2B5EF4-FFF2-40B4-BE49-F238E27FC236}">
+                <a16:creationId xmlns:a16="http://schemas.microsoft.com/office/drawing/2014/main" id="{4ACC00FE-55A2-4A62-B275-FB0F0B2043E0}"/>
+              </a:ext>
+            </a:extLst>
+          </p:cNvPr>
+          <p:cNvGrpSpPr/>
+          <p:nvPr/>
+        </p:nvGrpSpPr>
+        <p:grpSpPr>
+          <a:xfrm>
+            <a:off x="3071664" y="2996953"/>
+            <a:ext cx="1656184" cy="1296144"/>
+            <a:chOff x="4007768" y="5373216"/>
+            <a:chExt cx="1656184" cy="1296144"/>
+          </a:xfrm>
+        </p:grpSpPr>
+        <p:sp>
+          <p:nvSpPr>
+            <p:cNvPr id="5" name="Arrow: Curved Down 4">
+              <a:extLst>
+                <a:ext uri="{FF2B5EF4-FFF2-40B4-BE49-F238E27FC236}">
+                  <a16:creationId xmlns:a16="http://schemas.microsoft.com/office/drawing/2014/main" id="{08153687-BB23-44FC-BBD4-6C1236A431F8}"/>
+                </a:ext>
+              </a:extLst>
+            </p:cNvPr>
+            <p:cNvSpPr/>
+            <p:nvPr/>
+          </p:nvSpPr>
+          <p:spPr>
+            <a:xfrm>
+              <a:off x="4079776" y="5373216"/>
+              <a:ext cx="1584176" cy="576064"/>
+            </a:xfrm>
+            <a:prstGeom prst="curvedDownArrow">
+              <a:avLst/>
+            </a:prstGeom>
+            <a:solidFill>
+              <a:srgbClr val="C00000"/>
+            </a:solidFill>
+            <a:ln>
+              <a:solidFill>
+                <a:srgbClr val="C00000"/>
+              </a:solidFill>
+            </a:ln>
+          </p:spPr>
+          <p:style>
+            <a:lnRef idx="2">
+              <a:schemeClr val="accent1">
+                <a:shade val="50000"/>
+              </a:schemeClr>
+            </a:lnRef>
+            <a:fillRef idx="1">
+              <a:schemeClr val="accent1"/>
+            </a:fillRef>
+            <a:effectRef idx="0">
+              <a:schemeClr val="accent1"/>
+            </a:effectRef>
+            <a:fontRef idx="minor">
+              <a:schemeClr val="lt1"/>
+            </a:fontRef>
+          </p:style>
+          <p:txBody>
+            <a:bodyPr rtlCol="0" anchor="ctr"/>
+            <a:lstStyle/>
+            <a:p>
+              <a:pPr algn="ctr"/>
+              <a:endParaRPr lang="de-DE">
+                <a:solidFill>
+                  <a:schemeClr val="tx1"/>
+                </a:solidFill>
+              </a:endParaRPr>
+            </a:p>
+          </p:txBody>
+        </p:sp>
+        <p:sp>
+          <p:nvSpPr>
+            <p:cNvPr id="74" name="Arrow: Curved Down 73">
+              <a:extLst>
+                <a:ext uri="{FF2B5EF4-FFF2-40B4-BE49-F238E27FC236}">
+                  <a16:creationId xmlns:a16="http://schemas.microsoft.com/office/drawing/2014/main" id="{6234BAEF-BD10-4B3C-923C-D96BC409DA61}"/>
+                </a:ext>
+              </a:extLst>
+            </p:cNvPr>
+            <p:cNvSpPr/>
+            <p:nvPr/>
+          </p:nvSpPr>
+          <p:spPr>
+            <a:xfrm flipH="1" flipV="1">
+              <a:off x="4007768" y="6093296"/>
+              <a:ext cx="1584176" cy="576064"/>
+            </a:xfrm>
+            <a:prstGeom prst="curvedDownArrow">
+              <a:avLst/>
+            </a:prstGeom>
+            <a:solidFill>
+              <a:srgbClr val="C00000"/>
+            </a:solidFill>
+            <a:ln>
+              <a:solidFill>
+                <a:srgbClr val="C00000"/>
+              </a:solidFill>
+            </a:ln>
+          </p:spPr>
+          <p:style>
+            <a:lnRef idx="2">
+              <a:schemeClr val="accent1">
+                <a:shade val="50000"/>
+              </a:schemeClr>
+            </a:lnRef>
+            <a:fillRef idx="1">
+              <a:schemeClr val="accent1"/>
+            </a:fillRef>
+            <a:effectRef idx="0">
+              <a:schemeClr val="accent1"/>
+            </a:effectRef>
+            <a:fontRef idx="minor">
+              <a:schemeClr val="lt1"/>
+            </a:fontRef>
+          </p:style>
+          <p:txBody>
+            <a:bodyPr rtlCol="0" anchor="ctr"/>
+            <a:lstStyle/>
+            <a:p>
+              <a:pPr algn="ctr"/>
+              <a:endParaRPr lang="de-DE">
+                <a:solidFill>
+                  <a:schemeClr val="tx1"/>
+                </a:solidFill>
+              </a:endParaRPr>
+            </a:p>
+          </p:txBody>
+        </p:sp>
+        <p:sp>
+          <p:nvSpPr>
+            <p:cNvPr id="6" name="TextBox 5">
+              <a:extLst>
+                <a:ext uri="{FF2B5EF4-FFF2-40B4-BE49-F238E27FC236}">
+                  <a16:creationId xmlns:a16="http://schemas.microsoft.com/office/drawing/2014/main" id="{A325EC22-0C1F-4EAD-BED2-EE749380F2CB}"/>
+                </a:ext>
+              </a:extLst>
+            </p:cNvPr>
+            <p:cNvSpPr txBox="1"/>
+            <p:nvPr/>
+          </p:nvSpPr>
+          <p:spPr>
+            <a:xfrm>
+              <a:off x="4062689" y="5728090"/>
+              <a:ext cx="1584176" cy="646331"/>
+            </a:xfrm>
+            <a:prstGeom prst="rect">
+              <a:avLst/>
+            </a:prstGeom>
+            <a:noFill/>
+          </p:spPr>
+          <p:txBody>
+            <a:bodyPr wrap="square" rtlCol="0">
+              <a:spAutoFit/>
+            </a:bodyPr>
+            <a:lstStyle/>
+            <a:p>
+              <a:pPr algn="ctr"/>
+              <a:r>
+                <a:rPr lang="de-DE" dirty="0">
+                  <a:solidFill>
+                    <a:srgbClr val="C00000"/>
+                  </a:solidFill>
+                </a:rPr>
+                <a:t>Monitoring</a:t>
+              </a:r>
+            </a:p>
+            <a:p>
+              <a:pPr algn="ctr"/>
+              <a:r>
+                <a:rPr lang="de-DE" dirty="0">
+                  <a:solidFill>
+                    <a:srgbClr val="C00000"/>
+                  </a:solidFill>
+                </a:rPr>
+                <a:t>Pipeline</a:t>
+              </a:r>
+            </a:p>
+          </p:txBody>
+        </p:sp>
+      </p:grpSp>
+      <p:pic>
+        <p:nvPicPr>
+          <p:cNvPr id="8" name="Picture 7">
+            <a:extLst>
+              <a:ext uri="{FF2B5EF4-FFF2-40B4-BE49-F238E27FC236}">
+                <a16:creationId xmlns:a16="http://schemas.microsoft.com/office/drawing/2014/main" id="{0DF98C92-1DDC-48EF-8047-E255FFDD3CE4}"/>
+              </a:ext>
+            </a:extLst>
+          </p:cNvPr>
+          <p:cNvPicPr>
+            <a:picLocks noChangeAspect="1"/>
+          </p:cNvPicPr>
+          <p:nvPr/>
+        </p:nvPicPr>
+        <p:blipFill>
+          <a:blip r:embed="rId11"/>
+          <a:stretch>
+            <a:fillRect/>
+          </a:stretch>
+        </p:blipFill>
+        <p:spPr>
+          <a:xfrm>
+            <a:off x="8511307" y="2347429"/>
+            <a:ext cx="302409" cy="264476"/>
+          </a:xfrm>
+          <a:prstGeom prst="rect">
+            <a:avLst/>
+          </a:prstGeom>
+        </p:spPr>
+      </p:pic>
+    </p:spTree>
+    <p:extLst>
+      <p:ext uri="{BB962C8B-B14F-4D97-AF65-F5344CB8AC3E}">
+        <p14:creationId xmlns:p14="http://schemas.microsoft.com/office/powerpoint/2010/main" val="2096846254"/>
       </p:ext>
     </p:extLst>
   </p:cSld>
